--- a/(제출바람) 2022 SCH AI·SW Festival_포스터양식 (1).pptx
+++ b/(제출바람) 2022 SCH AI·SW Festival_포스터양식 (1).pptx
@@ -459,7 +459,7 @@
             <a:fld id="{F730EF64-376B-4AE8-9729-79941913CF69}" type="datetimeFigureOut">
               <a:rPr lang="ko-KR" altLang="en-US" smtClean="0"/>
               <a:pPr/>
-              <a:t>2022-10-27</a:t>
+              <a:t>2022-10-29</a:t>
             </a:fld>
             <a:endParaRPr lang="ko-KR" altLang="en-US"/>
           </a:p>
@@ -631,7 +631,7 @@
             <a:fld id="{F730EF64-376B-4AE8-9729-79941913CF69}" type="datetimeFigureOut">
               <a:rPr lang="ko-KR" altLang="en-US" smtClean="0"/>
               <a:pPr/>
-              <a:t>2022-10-27</a:t>
+              <a:t>2022-10-29</a:t>
             </a:fld>
             <a:endParaRPr lang="ko-KR" altLang="en-US"/>
           </a:p>
@@ -813,7 +813,7 @@
             <a:fld id="{F730EF64-376B-4AE8-9729-79941913CF69}" type="datetimeFigureOut">
               <a:rPr lang="ko-KR" altLang="en-US" smtClean="0"/>
               <a:pPr/>
-              <a:t>2022-10-27</a:t>
+              <a:t>2022-10-29</a:t>
             </a:fld>
             <a:endParaRPr lang="ko-KR" altLang="en-US"/>
           </a:p>
@@ -1016,7 +1016,7 @@
             <a:fld id="{F730EF64-376B-4AE8-9729-79941913CF69}" type="datetimeFigureOut">
               <a:rPr lang="ko-KR" altLang="en-US" smtClean="0"/>
               <a:pPr/>
-              <a:t>2022-10-27</a:t>
+              <a:t>2022-10-29</a:t>
             </a:fld>
             <a:endParaRPr lang="ko-KR" altLang="en-US"/>
           </a:p>
@@ -1262,7 +1262,7 @@
             <a:fld id="{F730EF64-376B-4AE8-9729-79941913CF69}" type="datetimeFigureOut">
               <a:rPr lang="ko-KR" altLang="en-US" smtClean="0"/>
               <a:pPr/>
-              <a:t>2022-10-27</a:t>
+              <a:t>2022-10-29</a:t>
             </a:fld>
             <a:endParaRPr lang="ko-KR" altLang="en-US"/>
           </a:p>
@@ -1496,7 +1496,7 @@
             <a:fld id="{F730EF64-376B-4AE8-9729-79941913CF69}" type="datetimeFigureOut">
               <a:rPr lang="ko-KR" altLang="en-US" smtClean="0"/>
               <a:pPr/>
-              <a:t>2022-10-27</a:t>
+              <a:t>2022-10-29</a:t>
             </a:fld>
             <a:endParaRPr lang="ko-KR" altLang="en-US"/>
           </a:p>
@@ -1865,7 +1865,7 @@
             <a:fld id="{F730EF64-376B-4AE8-9729-79941913CF69}" type="datetimeFigureOut">
               <a:rPr lang="ko-KR" altLang="en-US" smtClean="0"/>
               <a:pPr/>
-              <a:t>2022-10-27</a:t>
+              <a:t>2022-10-29</a:t>
             </a:fld>
             <a:endParaRPr lang="ko-KR" altLang="en-US"/>
           </a:p>
@@ -1985,7 +1985,7 @@
             <a:fld id="{F730EF64-376B-4AE8-9729-79941913CF69}" type="datetimeFigureOut">
               <a:rPr lang="ko-KR" altLang="en-US" smtClean="0"/>
               <a:pPr/>
-              <a:t>2022-10-27</a:t>
+              <a:t>2022-10-29</a:t>
             </a:fld>
             <a:endParaRPr lang="ko-KR" altLang="en-US"/>
           </a:p>
@@ -2082,7 +2082,7 @@
             <a:fld id="{F730EF64-376B-4AE8-9729-79941913CF69}" type="datetimeFigureOut">
               <a:rPr lang="ko-KR" altLang="en-US" smtClean="0"/>
               <a:pPr/>
-              <a:t>2022-10-27</a:t>
+              <a:t>2022-10-29</a:t>
             </a:fld>
             <a:endParaRPr lang="ko-KR" altLang="en-US"/>
           </a:p>
@@ -2361,7 +2361,7 @@
             <a:fld id="{F730EF64-376B-4AE8-9729-79941913CF69}" type="datetimeFigureOut">
               <a:rPr lang="ko-KR" altLang="en-US" smtClean="0"/>
               <a:pPr/>
-              <a:t>2022-10-27</a:t>
+              <a:t>2022-10-29</a:t>
             </a:fld>
             <a:endParaRPr lang="ko-KR" altLang="en-US"/>
           </a:p>
@@ -2620,7 +2620,7 @@
             <a:fld id="{F730EF64-376B-4AE8-9729-79941913CF69}" type="datetimeFigureOut">
               <a:rPr lang="ko-KR" altLang="en-US" smtClean="0"/>
               <a:pPr/>
-              <a:t>2022-10-27</a:t>
+              <a:t>2022-10-29</a:t>
             </a:fld>
             <a:endParaRPr lang="ko-KR" altLang="en-US"/>
           </a:p>
@@ -2862,7 +2862,7 @@
             <a:fld id="{F730EF64-376B-4AE8-9729-79941913CF69}" type="datetimeFigureOut">
               <a:rPr lang="ko-KR" altLang="en-US" smtClean="0"/>
               <a:pPr/>
-              <a:t>2022-10-27</a:t>
+              <a:t>2022-10-29</a:t>
             </a:fld>
             <a:endParaRPr lang="ko-KR" altLang="en-US"/>
           </a:p>
@@ -3279,6 +3279,122 @@
       </p:grpSpPr>
       <p:sp>
         <p:nvSpPr>
+          <p:cNvPr id="52" name="모서리가 둥근 직사각형 51"/>
+          <p:cNvSpPr/>
+          <p:nvPr/>
+        </p:nvSpPr>
+        <p:spPr>
+          <a:xfrm>
+            <a:off x="10890820" y="20472658"/>
+            <a:ext cx="10525264" cy="10069854"/>
+          </a:xfrm>
+          <a:prstGeom prst="roundRect">
+            <a:avLst/>
+          </a:prstGeom>
+          <a:solidFill>
+            <a:schemeClr val="bg1"/>
+          </a:solidFill>
+          <a:ln w="44450">
+            <a:solidFill>
+              <a:schemeClr val="bg1">
+                <a:lumMod val="65000"/>
+              </a:schemeClr>
+            </a:solidFill>
+          </a:ln>
+        </p:spPr>
+        <p:style>
+          <a:lnRef idx="2">
+            <a:schemeClr val="accent1">
+              <a:shade val="50000"/>
+            </a:schemeClr>
+          </a:lnRef>
+          <a:fillRef idx="1">
+            <a:schemeClr val="accent1"/>
+          </a:fillRef>
+          <a:effectRef idx="0">
+            <a:schemeClr val="accent1"/>
+          </a:effectRef>
+          <a:fontRef idx="minor">
+            <a:schemeClr val="lt1"/>
+          </a:fontRef>
+        </p:style>
+        <p:txBody>
+          <a:bodyPr rtlCol="0" anchor="ctr"/>
+          <a:lstStyle/>
+          <a:p>
+            <a:pPr marL="685800" indent="-685800" algn="l">
+              <a:buFontTx/>
+              <a:buChar char="-"/>
+            </a:pPr>
+            <a:endParaRPr lang="en-US" altLang="ko-KR" sz="4300" dirty="0">
+              <a:solidFill>
+                <a:schemeClr val="tx1"/>
+              </a:solidFill>
+              <a:latin typeface="+mn-ea"/>
+            </a:endParaRPr>
+          </a:p>
+        </p:txBody>
+      </p:sp>
+      <p:sp>
+        <p:nvSpPr>
+          <p:cNvPr id="51" name="모서리가 둥근 직사각형 50"/>
+          <p:cNvSpPr/>
+          <p:nvPr/>
+        </p:nvSpPr>
+        <p:spPr>
+          <a:xfrm>
+            <a:off x="189825" y="20467664"/>
+            <a:ext cx="10525264" cy="10069854"/>
+          </a:xfrm>
+          <a:prstGeom prst="roundRect">
+            <a:avLst/>
+          </a:prstGeom>
+          <a:solidFill>
+            <a:schemeClr val="bg1"/>
+          </a:solidFill>
+          <a:ln w="44450">
+            <a:solidFill>
+              <a:schemeClr val="bg1">
+                <a:lumMod val="65000"/>
+              </a:schemeClr>
+            </a:solidFill>
+          </a:ln>
+        </p:spPr>
+        <p:style>
+          <a:lnRef idx="2">
+            <a:schemeClr val="accent1">
+              <a:shade val="50000"/>
+            </a:schemeClr>
+          </a:lnRef>
+          <a:fillRef idx="1">
+            <a:schemeClr val="accent1"/>
+          </a:fillRef>
+          <a:effectRef idx="0">
+            <a:schemeClr val="accent1"/>
+          </a:effectRef>
+          <a:fontRef idx="minor">
+            <a:schemeClr val="lt1"/>
+          </a:fontRef>
+        </p:style>
+        <p:txBody>
+          <a:bodyPr rtlCol="0" anchor="ctr"/>
+          <a:lstStyle/>
+          <a:p>
+            <a:pPr marL="685800" indent="-685800" algn="l">
+              <a:buFontTx/>
+              <a:buChar char="-"/>
+            </a:pPr>
+            <a:endParaRPr lang="en-US" altLang="ko-KR" sz="4300" dirty="0">
+              <a:solidFill>
+                <a:schemeClr val="tx1"/>
+              </a:solidFill>
+              <a:latin typeface="+mn-ea"/>
+            </a:endParaRPr>
+          </a:p>
+        </p:txBody>
+      </p:sp>
+      <p:sp>
+        <p:nvSpPr>
           <p:cNvPr id="3" name="직사각형 2"/>
           <p:cNvSpPr/>
           <p:nvPr/>
@@ -3387,8 +3503,8 @@
         </p:nvSpPr>
         <p:spPr>
           <a:xfrm>
-            <a:off x="976169" y="1039979"/>
-            <a:ext cx="19215840" cy="3046988"/>
+            <a:off x="1620816" y="1153440"/>
+            <a:ext cx="18378631" cy="3046988"/>
           </a:xfrm>
           <a:prstGeom prst="rect">
             <a:avLst/>
@@ -3902,14 +4018,20 @@
           <a:p>
             <a:pPr algn="ctr"/>
             <a:r>
-              <a:rPr lang="ko-KR" altLang="en-US" sz="5000" b="1" dirty="0">
+              <a:rPr lang="ko-KR" altLang="en-US" sz="5000" b="1" dirty="0" smtClean="0">
                 <a:solidFill>
                   <a:schemeClr val="bg1"/>
                 </a:solidFill>
                 <a:latin typeface="+mn-ea"/>
               </a:rPr>
-              <a:t>작품개요</a:t>
-            </a:r>
+              <a:t>작품 개요</a:t>
+            </a:r>
+            <a:endParaRPr lang="ko-KR" altLang="en-US" sz="5000" b="1" dirty="0">
+              <a:solidFill>
+                <a:schemeClr val="bg1"/>
+              </a:solidFill>
+              <a:latin typeface="+mn-ea"/>
+            </a:endParaRPr>
           </a:p>
         </p:txBody>
       </p:sp>
@@ -4204,200 +4326,6 @@
       </p:grpSp>
       <p:sp>
         <p:nvSpPr>
-          <p:cNvPr id="27" name="모서리가 둥근 직사각형 26"/>
-          <p:cNvSpPr/>
-          <p:nvPr/>
-        </p:nvSpPr>
-        <p:spPr>
-          <a:xfrm>
-            <a:off x="477433" y="20431447"/>
-            <a:ext cx="10384883" cy="10062856"/>
-          </a:xfrm>
-          <a:prstGeom prst="roundRect">
-            <a:avLst/>
-          </a:prstGeom>
-          <a:solidFill>
-            <a:schemeClr val="bg1"/>
-          </a:solidFill>
-          <a:ln w="44450">
-            <a:solidFill>
-              <a:schemeClr val="bg1">
-                <a:lumMod val="65000"/>
-              </a:schemeClr>
-            </a:solidFill>
-          </a:ln>
-        </p:spPr>
-        <p:style>
-          <a:lnRef idx="2">
-            <a:schemeClr val="accent1">
-              <a:shade val="50000"/>
-            </a:schemeClr>
-          </a:lnRef>
-          <a:fillRef idx="1">
-            <a:schemeClr val="accent1"/>
-          </a:fillRef>
-          <a:effectRef idx="0">
-            <a:schemeClr val="accent1"/>
-          </a:effectRef>
-          <a:fontRef idx="minor">
-            <a:schemeClr val="lt1"/>
-          </a:fontRef>
-        </p:style>
-        <p:txBody>
-          <a:bodyPr rtlCol="0" anchor="ctr"/>
-          <a:lstStyle/>
-          <a:p>
-            <a:pPr marL="685800" indent="-685800" algn="l">
-              <a:buFontTx/>
-              <a:buChar char="-"/>
-            </a:pPr>
-            <a:r>
-              <a:rPr lang="ko-KR" altLang="en-US" sz="4300" dirty="0">
-                <a:solidFill>
-                  <a:schemeClr val="tx1"/>
-                </a:solidFill>
-                <a:latin typeface="+mn-ea"/>
-              </a:rPr>
-              <a:t>내용은 자유롭게 재구성 가능하나 정해진 양식은 변경 불가</a:t>
-            </a:r>
-            <a:endParaRPr lang="en-US" altLang="ko-KR" sz="4300" dirty="0">
-              <a:solidFill>
-                <a:schemeClr val="tx1"/>
-              </a:solidFill>
-              <a:latin typeface="+mn-ea"/>
-            </a:endParaRPr>
-          </a:p>
-          <a:p>
-            <a:pPr marL="685800" indent="-685800" algn="l">
-              <a:buFontTx/>
-              <a:buChar char="-"/>
-            </a:pPr>
-            <a:r>
-              <a:rPr lang="ko-KR" altLang="en-US" sz="4300" dirty="0">
-                <a:solidFill>
-                  <a:schemeClr val="tx1"/>
-                </a:solidFill>
-                <a:latin typeface="+mn-ea"/>
-              </a:rPr>
-              <a:t>작품에 대한 대표 사진 </a:t>
-            </a:r>
-            <a:r>
-              <a:rPr lang="en-US" altLang="ko-KR" sz="4300" dirty="0">
-                <a:solidFill>
-                  <a:schemeClr val="tx1"/>
-                </a:solidFill>
-                <a:latin typeface="+mn-ea"/>
-              </a:rPr>
-              <a:t>1</a:t>
-            </a:r>
-            <a:r>
-              <a:rPr lang="ko-KR" altLang="en-US" sz="4300" dirty="0">
-                <a:solidFill>
-                  <a:schemeClr val="tx1"/>
-                </a:solidFill>
-                <a:latin typeface="+mn-ea"/>
-              </a:rPr>
-              <a:t>개 이상 필수 첨부</a:t>
-            </a:r>
-            <a:endParaRPr lang="en-US" altLang="ko-KR" sz="4300" dirty="0">
-              <a:solidFill>
-                <a:schemeClr val="tx1"/>
-              </a:solidFill>
-              <a:latin typeface="+mn-ea"/>
-            </a:endParaRPr>
-          </a:p>
-          <a:p>
-            <a:pPr marL="685800" indent="-685800" algn="l">
-              <a:buFontTx/>
-              <a:buChar char="-"/>
-            </a:pPr>
-            <a:r>
-              <a:rPr lang="ko-KR" altLang="en-US" sz="4300" dirty="0" err="1">
-                <a:solidFill>
-                  <a:schemeClr val="tx1"/>
-                </a:solidFill>
-                <a:latin typeface="+mn-ea"/>
-              </a:rPr>
-              <a:t>맑은고딕</a:t>
-            </a:r>
-            <a:r>
-              <a:rPr lang="ko-KR" altLang="en-US" sz="4300" dirty="0">
-                <a:solidFill>
-                  <a:schemeClr val="tx1"/>
-                </a:solidFill>
-                <a:latin typeface="+mn-ea"/>
-              </a:rPr>
-              <a:t> </a:t>
-            </a:r>
-            <a:r>
-              <a:rPr lang="en-US" altLang="ko-KR" sz="4300" dirty="0">
-                <a:solidFill>
-                  <a:schemeClr val="tx1"/>
-                </a:solidFill>
-                <a:latin typeface="+mn-ea"/>
-              </a:rPr>
-              <a:t>43pt</a:t>
-            </a:r>
-          </a:p>
-        </p:txBody>
-      </p:sp>
-      <p:sp>
-        <p:nvSpPr>
-          <p:cNvPr id="28" name="모서리가 둥근 직사각형 27"/>
-          <p:cNvSpPr/>
-          <p:nvPr/>
-        </p:nvSpPr>
-        <p:spPr>
-          <a:xfrm>
-            <a:off x="11167117" y="20469321"/>
-            <a:ext cx="9954975" cy="10062856"/>
-          </a:xfrm>
-          <a:prstGeom prst="roundRect">
-            <a:avLst/>
-          </a:prstGeom>
-          <a:solidFill>
-            <a:schemeClr val="bg1"/>
-          </a:solidFill>
-          <a:ln w="44450">
-            <a:solidFill>
-              <a:schemeClr val="bg1">
-                <a:lumMod val="65000"/>
-              </a:schemeClr>
-            </a:solidFill>
-          </a:ln>
-        </p:spPr>
-        <p:style>
-          <a:lnRef idx="2">
-            <a:schemeClr val="accent1">
-              <a:shade val="50000"/>
-            </a:schemeClr>
-          </a:lnRef>
-          <a:fillRef idx="1">
-            <a:schemeClr val="accent1"/>
-          </a:fillRef>
-          <a:effectRef idx="0">
-            <a:schemeClr val="accent1"/>
-          </a:effectRef>
-          <a:fontRef idx="minor">
-            <a:schemeClr val="lt1"/>
-          </a:fontRef>
-        </p:style>
-        <p:txBody>
-          <a:bodyPr rtlCol="0" anchor="ctr"/>
-          <a:lstStyle/>
-          <a:p>
-            <a:pPr algn="l"/>
-            <a:endParaRPr lang="en-US" altLang="ko-KR" sz="4300" dirty="0">
-              <a:solidFill>
-                <a:schemeClr val="tx1"/>
-              </a:solidFill>
-              <a:latin typeface="+mn-ea"/>
-            </a:endParaRPr>
-          </a:p>
-        </p:txBody>
-      </p:sp>
-      <p:sp>
-        <p:nvSpPr>
           <p:cNvPr id="29" name="모서리가 둥근 직사각형 28"/>
           <p:cNvSpPr/>
           <p:nvPr/>
@@ -4496,37 +4424,7 @@
           <a:bodyPr rtlCol="0" anchor="ctr"/>
           <a:lstStyle/>
           <a:p>
-            <a:pPr marL="685800" indent="-685800" algn="l">
-              <a:buFontTx/>
-              <a:buChar char="-"/>
-            </a:pPr>
-            <a:r>
-              <a:rPr lang="ko-KR" altLang="en-US" sz="4300" dirty="0">
-                <a:solidFill>
-                  <a:schemeClr val="tx1"/>
-                </a:solidFill>
-                <a:latin typeface="+mn-ea"/>
-              </a:rPr>
-              <a:t>주요</a:t>
-            </a:r>
-            <a:r>
-              <a:rPr lang="en-US" altLang="ko-KR" sz="4300" dirty="0">
-                <a:solidFill>
-                  <a:schemeClr val="tx1"/>
-                </a:solidFill>
-                <a:latin typeface="+mn-ea"/>
-              </a:rPr>
-              <a:t> </a:t>
-            </a:r>
-            <a:r>
-              <a:rPr lang="ko-KR" altLang="en-US" sz="4300" dirty="0">
-                <a:solidFill>
-                  <a:schemeClr val="tx1"/>
-                </a:solidFill>
-                <a:latin typeface="+mn-ea"/>
-              </a:rPr>
-              <a:t>기능 상세하게 설명</a:t>
-            </a:r>
+            <a:pPr algn="just"/>
             <a:endParaRPr lang="en-US" altLang="ko-KR" sz="4300" dirty="0">
               <a:solidFill>
                 <a:schemeClr val="tx1"/>
@@ -4534,167 +4432,8 @@
               <a:latin typeface="+mn-ea"/>
             </a:endParaRPr>
           </a:p>
-          <a:p>
-            <a:pPr marL="685800" indent="-685800" algn="l">
-              <a:buFontTx/>
-              <a:buChar char="-"/>
-            </a:pPr>
-            <a:r>
-              <a:rPr lang="ko-KR" altLang="en-US" sz="4300" dirty="0" err="1">
-                <a:solidFill>
-                  <a:schemeClr val="tx1"/>
-                </a:solidFill>
-                <a:latin typeface="+mn-ea"/>
-              </a:rPr>
-              <a:t>연구방법론</a:t>
-            </a:r>
-            <a:r>
-              <a:rPr lang="en-US" altLang="ko-KR" sz="4300" dirty="0">
-                <a:solidFill>
-                  <a:schemeClr val="tx1"/>
-                </a:solidFill>
-                <a:latin typeface="+mn-ea"/>
-              </a:rPr>
-              <a:t>, </a:t>
-            </a:r>
-            <a:r>
-              <a:rPr lang="ko-KR" altLang="en-US" sz="4300" dirty="0">
-                <a:solidFill>
-                  <a:schemeClr val="tx1"/>
-                </a:solidFill>
-                <a:latin typeface="+mn-ea"/>
-              </a:rPr>
-              <a:t>알고리즘</a:t>
-            </a:r>
-            <a:r>
-              <a:rPr lang="en-US" altLang="ko-KR" sz="4300" dirty="0">
-                <a:solidFill>
-                  <a:schemeClr val="tx1"/>
-                </a:solidFill>
-                <a:latin typeface="+mn-ea"/>
-              </a:rPr>
-              <a:t>, </a:t>
-            </a:r>
-            <a:r>
-              <a:rPr lang="ko-KR" altLang="en-US" sz="4300" dirty="0">
-                <a:solidFill>
-                  <a:schemeClr val="tx1"/>
-                </a:solidFill>
-                <a:latin typeface="+mn-ea"/>
-              </a:rPr>
-              <a:t>순서도</a:t>
-            </a:r>
-            <a:r>
-              <a:rPr lang="en-US" altLang="ko-KR" sz="4300" dirty="0">
-                <a:solidFill>
-                  <a:schemeClr val="tx1"/>
-                </a:solidFill>
-                <a:latin typeface="+mn-ea"/>
-              </a:rPr>
-              <a:t>, </a:t>
-            </a:r>
-            <a:r>
-              <a:rPr lang="ko-KR" altLang="en-US" sz="4300" dirty="0">
-                <a:solidFill>
-                  <a:schemeClr val="tx1"/>
-                </a:solidFill>
-                <a:latin typeface="+mn-ea"/>
-              </a:rPr>
-              <a:t>시스템 구성도 등</a:t>
-            </a:r>
-            <a:endParaRPr lang="en-US" altLang="ko-KR" sz="4300" dirty="0">
-              <a:solidFill>
-                <a:schemeClr val="tx1"/>
-              </a:solidFill>
-              <a:latin typeface="+mn-ea"/>
-            </a:endParaRPr>
-          </a:p>
-          <a:p>
-            <a:pPr marL="685800" indent="-685800" algn="l">
-              <a:buFontTx/>
-              <a:buChar char="-"/>
-            </a:pPr>
-            <a:r>
-              <a:rPr lang="ko-KR" altLang="en-US" sz="4300" dirty="0">
-                <a:solidFill>
-                  <a:schemeClr val="tx1"/>
-                </a:solidFill>
-                <a:latin typeface="+mn-ea"/>
-              </a:rPr>
-              <a:t>작품 개요 자유롭게 서술</a:t>
-            </a:r>
-            <a:endParaRPr lang="en-US" altLang="ko-KR" sz="4300" dirty="0">
-              <a:solidFill>
-                <a:schemeClr val="tx1"/>
-              </a:solidFill>
-              <a:latin typeface="+mn-ea"/>
-            </a:endParaRPr>
-          </a:p>
-          <a:p>
-            <a:pPr marL="685800" indent="-685800" algn="l">
-              <a:buFontTx/>
-              <a:buChar char="-"/>
-            </a:pPr>
-            <a:r>
-              <a:rPr lang="ko-KR" altLang="en-US" sz="4300" dirty="0" err="1">
-                <a:solidFill>
-                  <a:schemeClr val="tx1"/>
-                </a:solidFill>
-                <a:latin typeface="+mn-ea"/>
-              </a:rPr>
-              <a:t>맑은고딕</a:t>
-            </a:r>
-            <a:r>
-              <a:rPr lang="ko-KR" altLang="en-US" sz="4300" dirty="0">
-                <a:solidFill>
-                  <a:schemeClr val="tx1"/>
-                </a:solidFill>
-                <a:latin typeface="+mn-ea"/>
-              </a:rPr>
-              <a:t> </a:t>
-            </a:r>
-            <a:r>
-              <a:rPr lang="en-US" altLang="ko-KR" sz="4300" dirty="0">
-                <a:solidFill>
-                  <a:schemeClr val="tx1"/>
-                </a:solidFill>
-                <a:latin typeface="+mn-ea"/>
-              </a:rPr>
-              <a:t>43pt</a:t>
-            </a:r>
-          </a:p>
-        </p:txBody>
-      </p:sp>
-      <p:pic>
-        <p:nvPicPr>
-          <p:cNvPr id="2" name="그림 1">
-            <a:extLst>
-              <a:ext uri="{FF2B5EF4-FFF2-40B4-BE49-F238E27FC236}">
-                <a16:creationId xmlns:a16="http://schemas.microsoft.com/office/drawing/2014/main" id="{06CEE0B1-F9F6-4878-972B-A226E825DD33}"/>
-              </a:ext>
-            </a:extLst>
-          </p:cNvPr>
-          <p:cNvPicPr>
-            <a:picLocks noChangeAspect="1"/>
-          </p:cNvPicPr>
-          <p:nvPr/>
-        </p:nvPicPr>
-        <p:blipFill>
-          <a:blip r:embed="rId9"/>
-          <a:stretch>
-            <a:fillRect/>
-          </a:stretch>
-        </p:blipFill>
-        <p:spPr>
-          <a:xfrm>
-            <a:off x="24185460" y="6592055"/>
-            <a:ext cx="12152003" cy="7406251"/>
-          </a:xfrm>
-          <a:prstGeom prst="rect">
-            <a:avLst/>
-          </a:prstGeom>
-        </p:spPr>
-      </p:pic>
+        </p:txBody>
+      </p:sp>
       <p:pic>
         <p:nvPicPr>
           <p:cNvPr id="37" name="그림 36">
@@ -4710,14 +4449,14 @@
           <p:nvPr/>
         </p:nvPicPr>
         <p:blipFill rotWithShape="1">
-          <a:blip r:embed="rId10"/>
+          <a:blip r:embed="rId9"/>
           <a:srcRect b="8529"/>
           <a:stretch/>
         </p:blipFill>
         <p:spPr>
           <a:xfrm>
-            <a:off x="24185460" y="14581200"/>
-            <a:ext cx="11242626" cy="6815759"/>
+            <a:off x="11661897" y="20822876"/>
+            <a:ext cx="8779165" cy="5322304"/>
           </a:xfrm>
           <a:prstGeom prst="rect">
             <a:avLst/>
@@ -4760,7 +4499,79 @@
                 </a:solidFill>
                 <a:latin typeface="+mn-ea"/>
               </a:rPr>
-              <a:t>  최근 스마트 그리드 기술이 발전됨에 따라 신재생 에너지 중에서도 태양광 발전이 </a:t>
+              <a:t> </a:t>
+            </a:r>
+            <a:r>
+              <a:rPr lang="ko-KR" altLang="en-US" sz="4300" dirty="0" smtClean="0">
+                <a:solidFill>
+                  <a:schemeClr val="tx1"/>
+                </a:solidFill>
+                <a:latin typeface="+mn-ea"/>
+              </a:rPr>
+              <a:t> 최근 </a:t>
+            </a:r>
+            <a:r>
+              <a:rPr lang="ko-KR" altLang="en-US" sz="4300" dirty="0">
+                <a:solidFill>
+                  <a:schemeClr val="tx1"/>
+                </a:solidFill>
+                <a:latin typeface="+mn-ea"/>
+              </a:rPr>
+              <a:t>스마트 그리드 기술이 발전됨에 따라 신재생 에너지 중에서도 태양광 발전이 자연친화적인 발전으로 주목받고 있어 이를 예측하려는 연구가 </a:t>
+            </a:r>
+            <a:r>
+              <a:rPr lang="ko-KR" altLang="en-US" sz="4300" dirty="0" smtClean="0">
+                <a:solidFill>
+                  <a:schemeClr val="tx1"/>
+                </a:solidFill>
+                <a:latin typeface="+mn-ea"/>
+              </a:rPr>
+              <a:t>활발하게 </a:t>
+            </a:r>
+            <a:r>
+              <a:rPr lang="ko-KR" altLang="en-US" sz="4300" dirty="0">
+                <a:solidFill>
+                  <a:schemeClr val="tx1"/>
+                </a:solidFill>
+                <a:latin typeface="+mn-ea"/>
+              </a:rPr>
+              <a:t>진행되고 있다</a:t>
+            </a:r>
+            <a:r>
+              <a:rPr lang="en-US" altLang="ko-KR" sz="4300" dirty="0">
+                <a:solidFill>
+                  <a:schemeClr val="tx1"/>
+                </a:solidFill>
+                <a:latin typeface="+mn-ea"/>
+              </a:rPr>
+              <a:t>. </a:t>
+            </a:r>
+            <a:r>
+              <a:rPr lang="ko-KR" altLang="en-US" sz="4300" dirty="0">
+                <a:solidFill>
+                  <a:schemeClr val="tx1"/>
+                </a:solidFill>
+                <a:latin typeface="+mn-ea"/>
+              </a:rPr>
+              <a:t>본 연구에서는 일사량 정보가 부족한 지역에서 초기 태양광 발전 시스템의 효율적인 운영을 위해 전이학습 기반의 일사량 예측 기법을 제안하고</a:t>
+            </a:r>
+            <a:r>
+              <a:rPr lang="en-US" altLang="ko-KR" sz="4300" dirty="0">
+                <a:solidFill>
+                  <a:schemeClr val="tx1"/>
+                </a:solidFill>
+                <a:latin typeface="+mn-ea"/>
+              </a:rPr>
+              <a:t>, </a:t>
+            </a:r>
+            <a:r>
+              <a:rPr lang="ko-KR" altLang="en-US" sz="4300" dirty="0">
+                <a:solidFill>
+                  <a:schemeClr val="tx1"/>
+                </a:solidFill>
+                <a:latin typeface="+mn-ea"/>
+              </a:rPr>
+              <a:t>제안 방법을 </a:t>
             </a:r>
             <a:r>
               <a:rPr lang="ko-KR" altLang="en-US" sz="4300" dirty="0" err="1">
@@ -4769,7 +4580,7 @@
                 </a:solidFill>
                 <a:latin typeface="+mn-ea"/>
               </a:rPr>
-              <a:t>자연친화적인</a:t>
+              <a:t>머신러닝</a:t>
             </a:r>
             <a:r>
               <a:rPr lang="ko-KR" altLang="en-US" sz="4300" dirty="0">
@@ -4778,7 +4589,7 @@
                 </a:solidFill>
                 <a:latin typeface="+mn-ea"/>
               </a:rPr>
-              <a:t> 발전으로 주목받고 있어 이를 예측하려는 연구가 활발하게 진행되고 있다</a:t>
+              <a:t> 모델에 적용해 보며 제안 방법의 타당성을 확인해 보려 한다</a:t>
             </a:r>
             <a:r>
               <a:rPr lang="en-US" altLang="ko-KR" sz="4300" dirty="0">
@@ -4789,6 +4600,50 @@
               </a:rPr>
               <a:t>. </a:t>
             </a:r>
+          </a:p>
+          <a:p>
+            <a:endParaRPr lang="ko-KR" altLang="en-US" sz="4300" dirty="0"/>
+          </a:p>
+        </p:txBody>
+      </p:sp>
+      <p:sp>
+        <p:nvSpPr>
+          <p:cNvPr id="31" name="TextBox 30">
+            <a:extLst>
+              <a:ext uri="{FF2B5EF4-FFF2-40B4-BE49-F238E27FC236}">
+                <a16:creationId xmlns:a16="http://schemas.microsoft.com/office/drawing/2014/main" id="{01A62B38-C61F-458A-A66E-BBE3BC0FC9C3}"/>
+              </a:ext>
+            </a:extLst>
+          </p:cNvPr>
+          <p:cNvSpPr txBox="1"/>
+          <p:nvPr/>
+        </p:nvSpPr>
+        <p:spPr>
+          <a:xfrm>
+            <a:off x="766778" y="13990316"/>
+            <a:ext cx="20134888" cy="4724370"/>
+          </a:xfrm>
+          <a:prstGeom prst="rect">
+            <a:avLst/>
+          </a:prstGeom>
+          <a:noFill/>
+        </p:spPr>
+        <p:txBody>
+          <a:bodyPr wrap="square" rtlCol="0">
+            <a:spAutoFit/>
+          </a:bodyPr>
+          <a:lstStyle/>
+          <a:p>
+            <a:pPr algn="just"/>
+            <a:r>
+              <a:rPr lang="ko-KR" altLang="en-US" sz="4300" dirty="0" smtClean="0">
+                <a:solidFill>
+                  <a:schemeClr val="tx1"/>
+                </a:solidFill>
+                <a:latin typeface="+mn-ea"/>
+              </a:rPr>
+              <a:t>  본 </a:t>
+            </a:r>
             <a:r>
               <a:rPr lang="ko-KR" altLang="en-US" sz="4300" dirty="0">
                 <a:solidFill>
@@ -4796,7 +4651,7 @@
                 </a:solidFill>
                 <a:latin typeface="+mn-ea"/>
               </a:rPr>
-              <a:t>본 연구에서는 일사량 정보가 부족한 지역에서 초기 태양광 발전 시스템의 효율적인 운영을 위해 전이학습 기반의 일사량 예측 기법을 제안하고</a:t>
+              <a:t>연구에 사용된 데이터는 기상청에서 제공받은 </a:t>
             </a:r>
             <a:r>
               <a:rPr lang="en-US" altLang="ko-KR" sz="4300" dirty="0">
@@ -4805,16 +4660,495 @@
                 </a:solidFill>
                 <a:latin typeface="+mn-ea"/>
               </a:rPr>
+              <a:t>6</a:t>
+            </a:r>
+            <a:r>
+              <a:rPr lang="ko-KR" altLang="en-US" sz="4300" dirty="0">
+                <a:solidFill>
+                  <a:schemeClr val="tx1"/>
+                </a:solidFill>
+                <a:latin typeface="+mn-ea"/>
+              </a:rPr>
+              <a:t>개 </a:t>
+            </a:r>
+            <a:r>
+              <a:rPr lang="ko-KR" altLang="en-US" sz="4300" dirty="0" smtClean="0">
+                <a:solidFill>
+                  <a:schemeClr val="tx1"/>
+                </a:solidFill>
+                <a:latin typeface="+mn-ea"/>
+              </a:rPr>
+              <a:t>지역의 </a:t>
+            </a:r>
+            <a:r>
+              <a:rPr lang="en-US" altLang="ko-KR" sz="4300" dirty="0">
+                <a:solidFill>
+                  <a:schemeClr val="tx1"/>
+                </a:solidFill>
+                <a:latin typeface="+mn-ea"/>
+              </a:rPr>
+              <a:t>2016</a:t>
+            </a:r>
+            <a:r>
+              <a:rPr lang="ko-KR" altLang="en-US" sz="4300" dirty="0">
+                <a:solidFill>
+                  <a:schemeClr val="tx1"/>
+                </a:solidFill>
+                <a:latin typeface="+mn-ea"/>
+              </a:rPr>
+              <a:t>년부터 </a:t>
+            </a:r>
+            <a:r>
+              <a:rPr lang="en-US" altLang="ko-KR" sz="4300" dirty="0">
+                <a:solidFill>
+                  <a:schemeClr val="tx1"/>
+                </a:solidFill>
+                <a:latin typeface="+mn-ea"/>
+              </a:rPr>
+              <a:t>2020</a:t>
+            </a:r>
+            <a:r>
+              <a:rPr lang="ko-KR" altLang="en-US" sz="4300" dirty="0">
+                <a:solidFill>
+                  <a:schemeClr val="tx1"/>
+                </a:solidFill>
+                <a:latin typeface="+mn-ea"/>
+              </a:rPr>
+              <a:t>년 </a:t>
+            </a:r>
+            <a:r>
+              <a:rPr lang="en-US" altLang="ko-KR" sz="4300" dirty="0">
+                <a:solidFill>
+                  <a:schemeClr val="tx1"/>
+                </a:solidFill>
+                <a:latin typeface="+mn-ea"/>
+              </a:rPr>
+              <a:t>08:00~18:00</a:t>
+            </a:r>
+            <a:r>
+              <a:rPr lang="ko-KR" altLang="en-US" sz="4300" dirty="0">
+                <a:solidFill>
+                  <a:schemeClr val="tx1"/>
+                </a:solidFill>
+                <a:latin typeface="+mn-ea"/>
+              </a:rPr>
+              <a:t>까지 해가 떠있는 주간에 수집된 종관 </a:t>
+            </a:r>
+            <a:r>
+              <a:rPr lang="ko-KR" altLang="en-US" sz="4300" dirty="0" smtClean="0">
+                <a:solidFill>
+                  <a:schemeClr val="tx1"/>
+                </a:solidFill>
+                <a:latin typeface="+mn-ea"/>
+              </a:rPr>
+              <a:t>총 기상 관측 </a:t>
+            </a:r>
+            <a:r>
+              <a:rPr lang="ko-KR" altLang="en-US" sz="4300" dirty="0">
+                <a:solidFill>
+                  <a:schemeClr val="tx1"/>
+                </a:solidFill>
+                <a:latin typeface="+mn-ea"/>
+              </a:rPr>
+              <a:t>데이터이다</a:t>
+            </a:r>
+            <a:r>
+              <a:rPr lang="en-US" altLang="ko-KR" sz="4300" dirty="0">
+                <a:solidFill>
+                  <a:schemeClr val="tx1"/>
+                </a:solidFill>
+                <a:latin typeface="+mn-ea"/>
+              </a:rPr>
+              <a:t>. </a:t>
+            </a:r>
+            <a:r>
+              <a:rPr lang="ko-KR" altLang="en-US" sz="4300" dirty="0">
+                <a:solidFill>
+                  <a:schemeClr val="tx1"/>
+                </a:solidFill>
+                <a:latin typeface="+mn-ea"/>
+              </a:rPr>
+              <a:t>입력 변수를 구성하기 위해 </a:t>
+            </a:r>
+            <a:r>
+              <a:rPr lang="en-US" altLang="ko-KR" sz="4300" dirty="0">
+                <a:solidFill>
+                  <a:schemeClr val="tx1"/>
+                </a:solidFill>
+                <a:latin typeface="+mn-ea"/>
+              </a:rPr>
+              <a:t>5</a:t>
+            </a:r>
+            <a:r>
+              <a:rPr lang="ko-KR" altLang="en-US" sz="4300" dirty="0">
+                <a:solidFill>
+                  <a:schemeClr val="tx1"/>
+                </a:solidFill>
+                <a:latin typeface="+mn-ea"/>
+              </a:rPr>
+              <a:t>개 </a:t>
+            </a:r>
+            <a:r>
+              <a:rPr lang="ko-KR" altLang="en-US" sz="4300" dirty="0" smtClean="0">
+                <a:solidFill>
+                  <a:schemeClr val="tx1"/>
+                </a:solidFill>
+                <a:latin typeface="+mn-ea"/>
+              </a:rPr>
+              <a:t>도시의 </a:t>
+            </a:r>
+            <a:r>
+              <a:rPr lang="ko-KR" altLang="en-US" sz="4300" dirty="0">
+                <a:solidFill>
+                  <a:schemeClr val="tx1"/>
+                </a:solidFill>
+                <a:latin typeface="+mn-ea"/>
+              </a:rPr>
+              <a:t>각 </a:t>
+            </a:r>
+            <a:r>
+              <a:rPr lang="en-US" altLang="ko-KR" sz="4300" dirty="0">
+                <a:solidFill>
+                  <a:schemeClr val="tx1"/>
+                </a:solidFill>
+                <a:latin typeface="+mn-ea"/>
+              </a:rPr>
+              <a:t>4</a:t>
+            </a:r>
+            <a:r>
+              <a:rPr lang="ko-KR" altLang="en-US" sz="4300" dirty="0">
+                <a:solidFill>
+                  <a:schemeClr val="tx1"/>
+                </a:solidFill>
+                <a:latin typeface="+mn-ea"/>
+              </a:rPr>
+              <a:t>년씩  </a:t>
+            </a:r>
+            <a:r>
+              <a:rPr lang="en-US" altLang="ko-KR" sz="4300" dirty="0">
+                <a:solidFill>
+                  <a:schemeClr val="tx1"/>
+                </a:solidFill>
+                <a:latin typeface="+mn-ea"/>
+              </a:rPr>
+              <a:t>20</a:t>
+            </a:r>
+            <a:r>
+              <a:rPr lang="ko-KR" altLang="en-US" sz="4300" dirty="0">
+                <a:solidFill>
+                  <a:schemeClr val="tx1"/>
+                </a:solidFill>
+                <a:latin typeface="+mn-ea"/>
+              </a:rPr>
+              <a:t>년 치 데이터와 </a:t>
+            </a:r>
+            <a:r>
+              <a:rPr lang="ko-KR" altLang="en-US" sz="4300" dirty="0" smtClean="0">
+                <a:solidFill>
+                  <a:schemeClr val="tx1"/>
+                </a:solidFill>
+                <a:latin typeface="+mn-ea"/>
+              </a:rPr>
+              <a:t>타겟 지역으로 선정한 대전 </a:t>
+            </a:r>
+            <a:r>
+              <a:rPr lang="ko-KR" altLang="en-US" sz="4300" dirty="0">
+                <a:solidFill>
+                  <a:schemeClr val="tx1"/>
+                </a:solidFill>
+                <a:latin typeface="+mn-ea"/>
+              </a:rPr>
+              <a:t>하루</a:t>
+            </a:r>
+            <a:r>
+              <a:rPr lang="en-US" altLang="ko-KR" sz="4300" dirty="0">
+                <a:solidFill>
+                  <a:schemeClr val="tx1"/>
+                </a:solidFill>
+                <a:latin typeface="+mn-ea"/>
+              </a:rPr>
+              <a:t>(1</a:t>
+            </a:r>
+            <a:r>
+              <a:rPr lang="ko-KR" altLang="en-US" sz="4300" dirty="0">
+                <a:solidFill>
+                  <a:schemeClr val="tx1"/>
+                </a:solidFill>
+                <a:latin typeface="+mn-ea"/>
+              </a:rPr>
+              <a:t>일</a:t>
+            </a:r>
+            <a:r>
+              <a:rPr lang="en-US" altLang="ko-KR" sz="4300" dirty="0">
+                <a:solidFill>
+                  <a:schemeClr val="tx1"/>
+                </a:solidFill>
+                <a:latin typeface="+mn-ea"/>
+              </a:rPr>
+              <a:t>) </a:t>
+            </a:r>
+            <a:r>
+              <a:rPr lang="ko-KR" altLang="en-US" sz="4300" dirty="0">
+                <a:solidFill>
+                  <a:schemeClr val="tx1"/>
+                </a:solidFill>
+                <a:latin typeface="+mn-ea"/>
+              </a:rPr>
+              <a:t>데이터를 학습 데이터 셋으로 구성했다</a:t>
+            </a:r>
+            <a:r>
+              <a:rPr lang="en-US" altLang="ko-KR" sz="4300" dirty="0" smtClean="0">
+                <a:solidFill>
+                  <a:schemeClr val="tx1"/>
+                </a:solidFill>
+                <a:latin typeface="+mn-ea"/>
+              </a:rPr>
+              <a:t>. </a:t>
+            </a:r>
+            <a:r>
+              <a:rPr lang="ko-KR" altLang="en-US" sz="4300" dirty="0" smtClean="0">
+                <a:solidFill>
+                  <a:schemeClr val="tx1"/>
+                </a:solidFill>
+                <a:latin typeface="+mn-ea"/>
+              </a:rPr>
+              <a:t>모델 검증을 위해 대전의 </a:t>
+            </a:r>
+            <a:r>
+              <a:rPr lang="en-US" altLang="ko-KR" sz="4300" dirty="0">
+                <a:solidFill>
+                  <a:schemeClr val="tx1"/>
+                </a:solidFill>
+                <a:latin typeface="+mn-ea"/>
+              </a:rPr>
+              <a:t>2020</a:t>
+            </a:r>
+            <a:r>
+              <a:rPr lang="ko-KR" altLang="en-US" sz="4300" dirty="0">
+                <a:solidFill>
+                  <a:schemeClr val="tx1"/>
+                </a:solidFill>
+                <a:latin typeface="+mn-ea"/>
+              </a:rPr>
+              <a:t>년 마지막 날을 제외한 </a:t>
+            </a:r>
+            <a:r>
+              <a:rPr lang="en-US" altLang="ko-KR" sz="4300" dirty="0">
+                <a:solidFill>
+                  <a:schemeClr val="tx1"/>
+                </a:solidFill>
+                <a:latin typeface="+mn-ea"/>
+              </a:rPr>
+              <a:t>364</a:t>
+            </a:r>
+            <a:r>
+              <a:rPr lang="ko-KR" altLang="en-US" sz="4300" dirty="0">
+                <a:solidFill>
+                  <a:schemeClr val="tx1"/>
+                </a:solidFill>
+                <a:latin typeface="+mn-ea"/>
+              </a:rPr>
+              <a:t>일을 테스트 데이터 셋으로 구성했으며</a:t>
+            </a:r>
+            <a:r>
+              <a:rPr lang="en-US" altLang="ko-KR" sz="4300" dirty="0">
+                <a:solidFill>
+                  <a:schemeClr val="tx1"/>
+                </a:solidFill>
+                <a:latin typeface="+mn-ea"/>
+              </a:rPr>
               <a:t>, </a:t>
             </a:r>
             <a:r>
+              <a:rPr lang="en-US" altLang="ko-KR" sz="4300" dirty="0" smtClean="0">
+                <a:solidFill>
+                  <a:schemeClr val="tx1"/>
+                </a:solidFill>
+                <a:latin typeface="+mn-ea"/>
+              </a:rPr>
+              <a:t>d</a:t>
+            </a:r>
+            <a:r>
               <a:rPr lang="ko-KR" altLang="en-US" sz="4300" dirty="0">
                 <a:solidFill>
                   <a:schemeClr val="tx1"/>
                 </a:solidFill>
                 <a:latin typeface="+mn-ea"/>
               </a:rPr>
-              <a:t>제안 방법을 </a:t>
+              <a:t>시점</a:t>
+            </a:r>
+            <a:r>
+              <a:rPr lang="en-US" altLang="ko-KR" sz="4300" dirty="0">
+                <a:solidFill>
+                  <a:schemeClr val="tx1"/>
+                </a:solidFill>
+                <a:latin typeface="+mn-ea"/>
+              </a:rPr>
+              <a:t>(</a:t>
+            </a:r>
+            <a:r>
+              <a:rPr lang="ko-KR" altLang="en-US" sz="4300" dirty="0">
+                <a:solidFill>
+                  <a:schemeClr val="tx1"/>
+                </a:solidFill>
+                <a:latin typeface="+mn-ea"/>
+              </a:rPr>
+              <a:t>오늘</a:t>
+            </a:r>
+            <a:r>
+              <a:rPr lang="en-US" altLang="ko-KR" sz="4300" dirty="0">
+                <a:solidFill>
+                  <a:schemeClr val="tx1"/>
+                </a:solidFill>
+                <a:latin typeface="+mn-ea"/>
+              </a:rPr>
+              <a:t>)</a:t>
+            </a:r>
+            <a:r>
+              <a:rPr lang="ko-KR" altLang="en-US" sz="4300" dirty="0" smtClean="0">
+                <a:solidFill>
+                  <a:schemeClr val="tx1"/>
+                </a:solidFill>
+                <a:latin typeface="+mn-ea"/>
+              </a:rPr>
+              <a:t>로 </a:t>
+            </a:r>
+            <a:r>
+              <a:rPr lang="en-US" altLang="ko-KR" sz="4300" dirty="0" smtClean="0">
+                <a:solidFill>
+                  <a:schemeClr val="tx1"/>
+                </a:solidFill>
+                <a:latin typeface="+mn-ea"/>
+              </a:rPr>
+              <a:t>d+1</a:t>
+            </a:r>
+            <a:r>
+              <a:rPr lang="ko-KR" altLang="en-US" sz="4300" dirty="0">
+                <a:solidFill>
+                  <a:schemeClr val="tx1"/>
+                </a:solidFill>
+                <a:latin typeface="+mn-ea"/>
+              </a:rPr>
+              <a:t>시점</a:t>
+            </a:r>
+            <a:r>
+              <a:rPr lang="en-US" altLang="ko-KR" sz="4300" dirty="0">
+                <a:solidFill>
+                  <a:schemeClr val="tx1"/>
+                </a:solidFill>
+                <a:latin typeface="+mn-ea"/>
+              </a:rPr>
+              <a:t>(</a:t>
+            </a:r>
+            <a:r>
+              <a:rPr lang="ko-KR" altLang="en-US" sz="4300" dirty="0">
+                <a:solidFill>
+                  <a:schemeClr val="tx1"/>
+                </a:solidFill>
+                <a:latin typeface="+mn-ea"/>
+              </a:rPr>
+              <a:t>다음날</a:t>
+            </a:r>
+            <a:r>
+              <a:rPr lang="en-US" altLang="ko-KR" sz="4300" dirty="0">
+                <a:solidFill>
+                  <a:schemeClr val="tx1"/>
+                </a:solidFill>
+                <a:latin typeface="+mn-ea"/>
+              </a:rPr>
+              <a:t>)</a:t>
+            </a:r>
+            <a:r>
+              <a:rPr lang="ko-KR" altLang="en-US" sz="4300" dirty="0">
+                <a:solidFill>
+                  <a:schemeClr val="tx1"/>
+                </a:solidFill>
+                <a:latin typeface="+mn-ea"/>
+              </a:rPr>
+              <a:t>의 일사량을 예측하기 위해 슬라이딩 윈도우 방법론을 적용해 모델 평가를 실시했다</a:t>
+            </a:r>
+            <a:r>
+              <a:rPr lang="en-US" altLang="ko-KR" sz="4300" dirty="0">
+                <a:solidFill>
+                  <a:schemeClr val="tx1"/>
+                </a:solidFill>
+                <a:latin typeface="+mn-ea"/>
+              </a:rPr>
+              <a:t>. </a:t>
+            </a:r>
+          </a:p>
+        </p:txBody>
+      </p:sp>
+      <p:pic>
+        <p:nvPicPr>
+          <p:cNvPr id="12" name="그림 11"/>
+          <p:cNvPicPr>
+            <a:picLocks noChangeAspect="1"/>
+          </p:cNvPicPr>
+          <p:nvPr/>
+        </p:nvPicPr>
+        <p:blipFill>
+          <a:blip r:embed="rId10"/>
+          <a:stretch>
+            <a:fillRect/>
+          </a:stretch>
+        </p:blipFill>
+        <p:spPr>
+          <a:xfrm>
+            <a:off x="737313" y="21021523"/>
+            <a:ext cx="4842110" cy="3292219"/>
+          </a:xfrm>
+          <a:prstGeom prst="rect">
+            <a:avLst/>
+          </a:prstGeom>
+        </p:spPr>
+      </p:pic>
+      <p:sp>
+        <p:nvSpPr>
+          <p:cNvPr id="45" name="TextBox 44">
+            <a:extLst>
+              <a:ext uri="{FF2B5EF4-FFF2-40B4-BE49-F238E27FC236}">
+                <a16:creationId xmlns:a16="http://schemas.microsoft.com/office/drawing/2014/main" id="{01A62B38-C61F-458A-A66E-BBE3BC0FC9C3}"/>
+              </a:ext>
+            </a:extLst>
+          </p:cNvPr>
+          <p:cNvSpPr txBox="1"/>
+          <p:nvPr/>
+        </p:nvSpPr>
+        <p:spPr>
+          <a:xfrm>
+            <a:off x="292985" y="24457581"/>
+            <a:ext cx="10358194" cy="5476648"/>
+          </a:xfrm>
+          <a:prstGeom prst="rect">
+            <a:avLst/>
+          </a:prstGeom>
+          <a:noFill/>
+        </p:spPr>
+        <p:txBody>
+          <a:bodyPr wrap="square" rtlCol="0">
+            <a:spAutoFit/>
+          </a:bodyPr>
+          <a:lstStyle/>
+          <a:p>
+            <a:pPr algn="just"/>
+            <a:r>
+              <a:rPr lang="ko-KR" altLang="en-US" sz="4300" dirty="0" smtClean="0">
+                <a:solidFill>
+                  <a:schemeClr val="tx1"/>
+                </a:solidFill>
+                <a:latin typeface="+mn-ea"/>
+              </a:rPr>
+              <a:t>  실험에 </a:t>
+            </a:r>
+            <a:r>
+              <a:rPr lang="ko-KR" altLang="en-US" sz="4300" dirty="0">
+                <a:solidFill>
+                  <a:schemeClr val="tx1"/>
+                </a:solidFill>
+                <a:latin typeface="+mn-ea"/>
+              </a:rPr>
+              <a:t>사용한 데이터는 </a:t>
             </a:r>
             <a:r>
               <a:rPr lang="ko-KR" altLang="en-US" sz="4300" dirty="0" err="1">
@@ -4823,7 +5157,7 @@
                 </a:solidFill>
                 <a:latin typeface="+mn-ea"/>
               </a:rPr>
-              <a:t>머신러닝</a:t>
+              <a:t>계절변동을</a:t>
             </a:r>
             <a:r>
               <a:rPr lang="ko-KR" altLang="en-US" sz="4300" dirty="0">
@@ -4832,7 +5166,133 @@
                 </a:solidFill>
                 <a:latin typeface="+mn-ea"/>
               </a:rPr>
-              <a:t> 모델에 적용해 보며 제안 방법의 타당성을 확인해 보려 한다</a:t>
+              <a:t> 보이는 </a:t>
+            </a:r>
+            <a:r>
+              <a:rPr lang="ko-KR" altLang="en-US" sz="4300" dirty="0" err="1">
+                <a:solidFill>
+                  <a:schemeClr val="tx1"/>
+                </a:solidFill>
+                <a:latin typeface="+mn-ea"/>
+              </a:rPr>
+              <a:t>시계열</a:t>
+            </a:r>
+            <a:r>
+              <a:rPr lang="ko-KR" altLang="en-US" sz="4300" dirty="0">
+                <a:solidFill>
+                  <a:schemeClr val="tx1"/>
+                </a:solidFill>
+                <a:latin typeface="+mn-ea"/>
+              </a:rPr>
+              <a:t> </a:t>
+            </a:r>
+            <a:r>
+              <a:rPr lang="ko-KR" altLang="en-US" sz="4300" dirty="0" smtClean="0">
+                <a:solidFill>
+                  <a:schemeClr val="tx1"/>
+                </a:solidFill>
+                <a:latin typeface="+mn-ea"/>
+              </a:rPr>
+              <a:t>데이터이며</a:t>
+            </a:r>
+            <a:r>
+              <a:rPr lang="en-US" altLang="ko-KR" sz="4300" dirty="0" smtClean="0">
+                <a:solidFill>
+                  <a:schemeClr val="tx1"/>
+                </a:solidFill>
+                <a:latin typeface="+mn-ea"/>
+              </a:rPr>
+              <a:t>, </a:t>
+            </a:r>
+            <a:r>
+              <a:rPr lang="ko-KR" altLang="en-US" sz="4300" dirty="0" smtClean="0">
+                <a:solidFill>
+                  <a:schemeClr val="tx1"/>
+                </a:solidFill>
+                <a:latin typeface="+mn-ea"/>
+              </a:rPr>
+              <a:t>주기적인 </a:t>
+            </a:r>
+            <a:r>
+              <a:rPr lang="ko-KR" altLang="en-US" sz="4300" dirty="0">
+                <a:solidFill>
+                  <a:schemeClr val="tx1"/>
+                </a:solidFill>
+                <a:latin typeface="+mn-ea"/>
+              </a:rPr>
+              <a:t>패턴을 갖는 것을 고려하여 슬라이딩 윈도우 방식으로 </a:t>
+            </a:r>
+            <a:r>
+              <a:rPr lang="ko-KR" altLang="en-US" sz="4300" dirty="0" smtClean="0">
+                <a:solidFill>
+                  <a:schemeClr val="tx1"/>
+                </a:solidFill>
+                <a:latin typeface="+mn-ea"/>
+              </a:rPr>
+              <a:t>검정했다</a:t>
+            </a:r>
+            <a:r>
+              <a:rPr lang="en-US" altLang="ko-KR" sz="4300" dirty="0" smtClean="0">
+                <a:solidFill>
+                  <a:schemeClr val="tx1"/>
+                </a:solidFill>
+                <a:latin typeface="+mn-ea"/>
+              </a:rPr>
+              <a:t>. </a:t>
+            </a:r>
+            <a:r>
+              <a:rPr lang="ko-KR" altLang="en-US" sz="4300" dirty="0" smtClean="0">
+                <a:solidFill>
+                  <a:schemeClr val="tx1"/>
+                </a:solidFill>
+                <a:latin typeface="+mn-ea"/>
+              </a:rPr>
+              <a:t>또한 </a:t>
+            </a:r>
+            <a:r>
+              <a:rPr lang="ko-KR" altLang="en-US" sz="4300" dirty="0">
+                <a:solidFill>
+                  <a:schemeClr val="tx1"/>
+                </a:solidFill>
+                <a:latin typeface="+mn-ea"/>
+              </a:rPr>
+              <a:t>본 연구에서 사용된 </a:t>
+            </a:r>
+            <a:r>
+              <a:rPr lang="ko-KR" altLang="en-US" sz="4300" dirty="0" smtClean="0">
+                <a:solidFill>
+                  <a:schemeClr val="tx1"/>
+                </a:solidFill>
+                <a:latin typeface="+mn-ea"/>
+              </a:rPr>
+              <a:t>예측 </a:t>
+            </a:r>
+            <a:r>
+              <a:rPr lang="ko-KR" altLang="en-US" sz="4300" dirty="0">
+                <a:solidFill>
+                  <a:schemeClr val="tx1"/>
+                </a:solidFill>
+                <a:latin typeface="+mn-ea"/>
+              </a:rPr>
+              <a:t>모델은 기존 랜덤 </a:t>
+            </a:r>
+            <a:r>
+              <a:rPr lang="ko-KR" altLang="en-US" sz="4300" dirty="0" err="1">
+                <a:solidFill>
+                  <a:schemeClr val="tx1"/>
+                </a:solidFill>
+                <a:latin typeface="+mn-ea"/>
+              </a:rPr>
+              <a:t>포레스트와</a:t>
+            </a:r>
+            <a:r>
+              <a:rPr lang="ko-KR" altLang="en-US" sz="4300" dirty="0">
+                <a:solidFill>
+                  <a:schemeClr val="tx1"/>
+                </a:solidFill>
+                <a:latin typeface="+mn-ea"/>
+              </a:rPr>
+              <a:t> 유사하지만 재귀 분할의 성능을 개선하고 고차원 데이터에 적합한 </a:t>
             </a:r>
             <a:r>
               <a:rPr lang="en-US" altLang="ko-KR" sz="4300" dirty="0">
@@ -4841,11 +5301,157 @@
                 </a:solidFill>
                 <a:latin typeface="+mn-ea"/>
               </a:rPr>
+              <a:t>Ranger </a:t>
+            </a:r>
+            <a:r>
+              <a:rPr lang="ko-KR" altLang="en-US" sz="4300" dirty="0" smtClean="0">
+                <a:solidFill>
+                  <a:schemeClr val="tx1"/>
+                </a:solidFill>
+                <a:latin typeface="+mn-ea"/>
+              </a:rPr>
+              <a:t>패키지의 모델을 </a:t>
+            </a:r>
+            <a:r>
+              <a:rPr lang="ko-KR" altLang="en-US" sz="4300" dirty="0">
+                <a:solidFill>
+                  <a:schemeClr val="tx1"/>
+                </a:solidFill>
+                <a:latin typeface="+mn-ea"/>
+              </a:rPr>
+              <a:t>사용했다</a:t>
+            </a:r>
+            <a:r>
+              <a:rPr lang="en-US" altLang="ko-KR" sz="4300" dirty="0">
+                <a:solidFill>
+                  <a:schemeClr val="tx1"/>
+                </a:solidFill>
+                <a:latin typeface="+mn-ea"/>
+              </a:rPr>
               <a:t>. </a:t>
             </a:r>
-          </a:p>
-          <a:p>
-            <a:endParaRPr lang="ko-KR" altLang="en-US" sz="4300" dirty="0"/>
+            <a:endParaRPr lang="en-US" altLang="ko-KR" sz="4300" dirty="0">
+              <a:solidFill>
+                <a:schemeClr val="tx1"/>
+              </a:solidFill>
+              <a:latin typeface="+mn-ea"/>
+            </a:endParaRPr>
+          </a:p>
+        </p:txBody>
+      </p:sp>
+      <p:pic>
+        <p:nvPicPr>
+          <p:cNvPr id="47" name="그림 46"/>
+          <p:cNvPicPr>
+            <a:picLocks noChangeAspect="1"/>
+          </p:cNvPicPr>
+          <p:nvPr/>
+        </p:nvPicPr>
+        <p:blipFill>
+          <a:blip r:embed="rId11"/>
+          <a:stretch>
+            <a:fillRect/>
+          </a:stretch>
+        </p:blipFill>
+        <p:spPr>
+          <a:xfrm>
+            <a:off x="5666597" y="21151148"/>
+            <a:ext cx="4724002" cy="3181193"/>
+          </a:xfrm>
+          <a:prstGeom prst="rect">
+            <a:avLst/>
+          </a:prstGeom>
+        </p:spPr>
+      </p:pic>
+      <p:pic>
+        <p:nvPicPr>
+          <p:cNvPr id="49" name="그림 48"/>
+          <p:cNvPicPr>
+            <a:picLocks noChangeAspect="1"/>
+          </p:cNvPicPr>
+          <p:nvPr/>
+        </p:nvPicPr>
+        <p:blipFill>
+          <a:blip r:embed="rId11"/>
+          <a:stretch>
+            <a:fillRect/>
+          </a:stretch>
+        </p:blipFill>
+        <p:spPr>
+          <a:xfrm>
+            <a:off x="5558997" y="21033795"/>
+            <a:ext cx="4831602" cy="3253652"/>
+          </a:xfrm>
+          <a:prstGeom prst="rect">
+            <a:avLst/>
+          </a:prstGeom>
+        </p:spPr>
+      </p:pic>
+      <p:sp>
+        <p:nvSpPr>
+          <p:cNvPr id="53" name="TextBox 52">
+            <a:extLst>
+              <a:ext uri="{FF2B5EF4-FFF2-40B4-BE49-F238E27FC236}">
+                <a16:creationId xmlns:a16="http://schemas.microsoft.com/office/drawing/2014/main" id="{01A62B38-C61F-458A-A66E-BBE3BC0FC9C3}"/>
+              </a:ext>
+            </a:extLst>
+          </p:cNvPr>
+          <p:cNvSpPr txBox="1"/>
+          <p:nvPr/>
+        </p:nvSpPr>
+        <p:spPr>
+          <a:xfrm>
+            <a:off x="11002295" y="26340719"/>
+            <a:ext cx="10358194" cy="2077492"/>
+          </a:xfrm>
+          <a:prstGeom prst="rect">
+            <a:avLst/>
+          </a:prstGeom>
+          <a:noFill/>
+        </p:spPr>
+        <p:txBody>
+          <a:bodyPr wrap="square" rtlCol="0">
+            <a:spAutoFit/>
+          </a:bodyPr>
+          <a:lstStyle/>
+          <a:p>
+            <a:pPr algn="just"/>
+            <a:r>
+              <a:rPr lang="ko-KR" altLang="en-US" sz="4300" dirty="0" smtClean="0">
+                <a:solidFill>
+                  <a:schemeClr val="tx1"/>
+                </a:solidFill>
+                <a:latin typeface="+mn-ea"/>
+              </a:rPr>
+              <a:t>  위 </a:t>
+            </a:r>
+            <a:r>
+              <a:rPr lang="ko-KR" altLang="en-US" sz="4300" dirty="0">
+                <a:solidFill>
+                  <a:schemeClr val="tx1"/>
+                </a:solidFill>
+                <a:latin typeface="+mn-ea"/>
+              </a:rPr>
+              <a:t>테이블은 하루치 데이터만 학습한 모델을 비교한 결과이다</a:t>
+            </a:r>
+            <a:r>
+              <a:rPr lang="en-US" altLang="ko-KR" sz="4300" dirty="0">
+                <a:solidFill>
+                  <a:schemeClr val="tx1"/>
+                </a:solidFill>
+                <a:latin typeface="+mn-ea"/>
+              </a:rPr>
+              <a:t>. </a:t>
+            </a:r>
+          </a:p>
+          <a:p>
+            <a:pPr algn="just"/>
+            <a:endParaRPr lang="en-US" altLang="ko-KR" sz="4300" dirty="0">
+              <a:solidFill>
+                <a:schemeClr val="tx1"/>
+              </a:solidFill>
+              <a:latin typeface="+mn-ea"/>
+            </a:endParaRPr>
           </a:p>
         </p:txBody>
       </p:sp>

--- a/(제출바람) 2022 SCH AI·SW Festival_포스터양식 (1).pptx
+++ b/(제출바람) 2022 SCH AI·SW Festival_포스터양식 (1).pptx
@@ -459,7 +459,7 @@
             <a:fld id="{F730EF64-376B-4AE8-9729-79941913CF69}" type="datetimeFigureOut">
               <a:rPr lang="ko-KR" altLang="en-US" smtClean="0"/>
               <a:pPr/>
-              <a:t>2022-10-29</a:t>
+              <a:t>2022-10-30</a:t>
             </a:fld>
             <a:endParaRPr lang="ko-KR" altLang="en-US"/>
           </a:p>
@@ -631,7 +631,7 @@
             <a:fld id="{F730EF64-376B-4AE8-9729-79941913CF69}" type="datetimeFigureOut">
               <a:rPr lang="ko-KR" altLang="en-US" smtClean="0"/>
               <a:pPr/>
-              <a:t>2022-10-29</a:t>
+              <a:t>2022-10-30</a:t>
             </a:fld>
             <a:endParaRPr lang="ko-KR" altLang="en-US"/>
           </a:p>
@@ -813,7 +813,7 @@
             <a:fld id="{F730EF64-376B-4AE8-9729-79941913CF69}" type="datetimeFigureOut">
               <a:rPr lang="ko-KR" altLang="en-US" smtClean="0"/>
               <a:pPr/>
-              <a:t>2022-10-29</a:t>
+              <a:t>2022-10-30</a:t>
             </a:fld>
             <a:endParaRPr lang="ko-KR" altLang="en-US"/>
           </a:p>
@@ -1016,7 +1016,7 @@
             <a:fld id="{F730EF64-376B-4AE8-9729-79941913CF69}" type="datetimeFigureOut">
               <a:rPr lang="ko-KR" altLang="en-US" smtClean="0"/>
               <a:pPr/>
-              <a:t>2022-10-29</a:t>
+              <a:t>2022-10-30</a:t>
             </a:fld>
             <a:endParaRPr lang="ko-KR" altLang="en-US"/>
           </a:p>
@@ -1262,7 +1262,7 @@
             <a:fld id="{F730EF64-376B-4AE8-9729-79941913CF69}" type="datetimeFigureOut">
               <a:rPr lang="ko-KR" altLang="en-US" smtClean="0"/>
               <a:pPr/>
-              <a:t>2022-10-29</a:t>
+              <a:t>2022-10-30</a:t>
             </a:fld>
             <a:endParaRPr lang="ko-KR" altLang="en-US"/>
           </a:p>
@@ -1496,7 +1496,7 @@
             <a:fld id="{F730EF64-376B-4AE8-9729-79941913CF69}" type="datetimeFigureOut">
               <a:rPr lang="ko-KR" altLang="en-US" smtClean="0"/>
               <a:pPr/>
-              <a:t>2022-10-29</a:t>
+              <a:t>2022-10-30</a:t>
             </a:fld>
             <a:endParaRPr lang="ko-KR" altLang="en-US"/>
           </a:p>
@@ -1865,7 +1865,7 @@
             <a:fld id="{F730EF64-376B-4AE8-9729-79941913CF69}" type="datetimeFigureOut">
               <a:rPr lang="ko-KR" altLang="en-US" smtClean="0"/>
               <a:pPr/>
-              <a:t>2022-10-29</a:t>
+              <a:t>2022-10-30</a:t>
             </a:fld>
             <a:endParaRPr lang="ko-KR" altLang="en-US"/>
           </a:p>
@@ -1985,7 +1985,7 @@
             <a:fld id="{F730EF64-376B-4AE8-9729-79941913CF69}" type="datetimeFigureOut">
               <a:rPr lang="ko-KR" altLang="en-US" smtClean="0"/>
               <a:pPr/>
-              <a:t>2022-10-29</a:t>
+              <a:t>2022-10-30</a:t>
             </a:fld>
             <a:endParaRPr lang="ko-KR" altLang="en-US"/>
           </a:p>
@@ -2082,7 +2082,7 @@
             <a:fld id="{F730EF64-376B-4AE8-9729-79941913CF69}" type="datetimeFigureOut">
               <a:rPr lang="ko-KR" altLang="en-US" smtClean="0"/>
               <a:pPr/>
-              <a:t>2022-10-29</a:t>
+              <a:t>2022-10-30</a:t>
             </a:fld>
             <a:endParaRPr lang="ko-KR" altLang="en-US"/>
           </a:p>
@@ -2361,7 +2361,7 @@
             <a:fld id="{F730EF64-376B-4AE8-9729-79941913CF69}" type="datetimeFigureOut">
               <a:rPr lang="ko-KR" altLang="en-US" smtClean="0"/>
               <a:pPr/>
-              <a:t>2022-10-29</a:t>
+              <a:t>2022-10-30</a:t>
             </a:fld>
             <a:endParaRPr lang="ko-KR" altLang="en-US"/>
           </a:p>
@@ -2620,7 +2620,7 @@
             <a:fld id="{F730EF64-376B-4AE8-9729-79941913CF69}" type="datetimeFigureOut">
               <a:rPr lang="ko-KR" altLang="en-US" smtClean="0"/>
               <a:pPr/>
-              <a:t>2022-10-29</a:t>
+              <a:t>2022-10-30</a:t>
             </a:fld>
             <a:endParaRPr lang="ko-KR" altLang="en-US"/>
           </a:p>
@@ -2862,7 +2862,7 @@
             <a:fld id="{F730EF64-376B-4AE8-9729-79941913CF69}" type="datetimeFigureOut">
               <a:rPr lang="ko-KR" altLang="en-US" smtClean="0"/>
               <a:pPr/>
-              <a:t>2022-10-29</a:t>
+              <a:t>2022-10-30</a:t>
             </a:fld>
             <a:endParaRPr lang="ko-KR" altLang="en-US"/>
           </a:p>
@@ -4018,7 +4018,7 @@
           <a:p>
             <a:pPr algn="ctr"/>
             <a:r>
-              <a:rPr lang="ko-KR" altLang="en-US" sz="5000" b="1" dirty="0" smtClean="0">
+              <a:rPr lang="ko-KR" altLang="en-US" sz="5000" b="1" dirty="0">
                 <a:solidFill>
                   <a:schemeClr val="bg1"/>
                 </a:solidFill>
@@ -4026,12 +4026,6 @@
               </a:rPr>
               <a:t>작품 개요</a:t>
             </a:r>
-            <a:endParaRPr lang="ko-KR" altLang="en-US" sz="5000" b="1" dirty="0">
-              <a:solidFill>
-                <a:schemeClr val="bg1"/>
-              </a:solidFill>
-              <a:latin typeface="+mn-ea"/>
-            </a:endParaRPr>
           </a:p>
         </p:txBody>
       </p:sp>
@@ -4499,43 +4493,7 @@
                 </a:solidFill>
                 <a:latin typeface="+mn-ea"/>
               </a:rPr>
-              <a:t> </a:t>
-            </a:r>
-            <a:r>
-              <a:rPr lang="ko-KR" altLang="en-US" sz="4300" dirty="0" smtClean="0">
-                <a:solidFill>
-                  <a:schemeClr val="tx1"/>
-                </a:solidFill>
-                <a:latin typeface="+mn-ea"/>
-              </a:rPr>
-              <a:t> 최근 </a:t>
-            </a:r>
-            <a:r>
-              <a:rPr lang="ko-KR" altLang="en-US" sz="4300" dirty="0">
-                <a:solidFill>
-                  <a:schemeClr val="tx1"/>
-                </a:solidFill>
-                <a:latin typeface="+mn-ea"/>
-              </a:rPr>
-              <a:t>스마트 그리드 기술이 발전됨에 따라 신재생 에너지 중에서도 태양광 발전이 자연친화적인 발전으로 주목받고 있어 이를 예측하려는 연구가 </a:t>
-            </a:r>
-            <a:r>
-              <a:rPr lang="ko-KR" altLang="en-US" sz="4300" dirty="0" smtClean="0">
-                <a:solidFill>
-                  <a:schemeClr val="tx1"/>
-                </a:solidFill>
-                <a:latin typeface="+mn-ea"/>
-              </a:rPr>
-              <a:t>활발하게 </a:t>
-            </a:r>
-            <a:r>
-              <a:rPr lang="ko-KR" altLang="en-US" sz="4300" dirty="0">
-                <a:solidFill>
-                  <a:schemeClr val="tx1"/>
-                </a:solidFill>
-                <a:latin typeface="+mn-ea"/>
-              </a:rPr>
-              <a:t>진행되고 있다</a:t>
+              <a:t>  최근 스마트 그리드 기술이 발전됨에 따라 신재생 에너지 중에서도 태양광 발전이 자연친화적인 발전으로 주목받고 있어 이를 예측하려는 연구가 활발하게 진행되고 있다</a:t>
             </a:r>
             <a:r>
               <a:rPr lang="en-US" altLang="ko-KR" sz="4300" dirty="0">
@@ -4636,22 +4594,13 @@
           <a:p>
             <a:pPr algn="just"/>
             <a:r>
-              <a:rPr lang="ko-KR" altLang="en-US" sz="4300" dirty="0" smtClean="0">
-                <a:solidFill>
-                  <a:schemeClr val="tx1"/>
-                </a:solidFill>
-                <a:latin typeface="+mn-ea"/>
-              </a:rPr>
-              <a:t>  본 </a:t>
-            </a:r>
-            <a:r>
               <a:rPr lang="ko-KR" altLang="en-US" sz="4300" dirty="0">
                 <a:solidFill>
                   <a:schemeClr val="tx1"/>
                 </a:solidFill>
                 <a:latin typeface="+mn-ea"/>
               </a:rPr>
-              <a:t>연구에 사용된 데이터는 기상청에서 제공받은 </a:t>
+              <a:t>  본 연구에 사용된 데이터는 기상청에서 제공받은 </a:t>
             </a:r>
             <a:r>
               <a:rPr lang="en-US" altLang="ko-KR" sz="4300" dirty="0">
@@ -4669,16 +4618,7 @@
                 </a:solidFill>
                 <a:latin typeface="+mn-ea"/>
               </a:rPr>
-              <a:t>개 </a:t>
-            </a:r>
-            <a:r>
-              <a:rPr lang="ko-KR" altLang="en-US" sz="4300" dirty="0" smtClean="0">
-                <a:solidFill>
-                  <a:schemeClr val="tx1"/>
-                </a:solidFill>
-                <a:latin typeface="+mn-ea"/>
-              </a:rPr>
-              <a:t>지역의 </a:t>
+              <a:t>개 지역의 </a:t>
             </a:r>
             <a:r>
               <a:rPr lang="en-US" altLang="ko-KR" sz="4300" dirty="0">
@@ -4732,16 +4672,16 @@
                 </a:solidFill>
                 <a:latin typeface="+mn-ea"/>
               </a:rPr>
-              <a:t>까지 해가 떠있는 주간에 수집된 종관 </a:t>
-            </a:r>
-            <a:r>
-              <a:rPr lang="ko-KR" altLang="en-US" sz="4300" dirty="0" smtClean="0">
-                <a:solidFill>
-                  <a:schemeClr val="tx1"/>
-                </a:solidFill>
-                <a:latin typeface="+mn-ea"/>
-              </a:rPr>
-              <a:t>총 기상 관측 </a:t>
+              <a:t>까지 해가 떠있는 주간에 수집된 종관 총 기상 관측 데이터이다</a:t>
+            </a:r>
+            <a:r>
+              <a:rPr lang="en-US" altLang="ko-KR" sz="4300" dirty="0">
+                <a:solidFill>
+                  <a:schemeClr val="tx1"/>
+                </a:solidFill>
+                <a:latin typeface="+mn-ea"/>
+              </a:rPr>
+              <a:t>. </a:t>
             </a:r>
             <a:r>
               <a:rPr lang="ko-KR" altLang="en-US" sz="4300" dirty="0">
@@ -4750,7 +4690,7 @@
                 </a:solidFill>
                 <a:latin typeface="+mn-ea"/>
               </a:rPr>
-              <a:t>데이터이다</a:t>
+              <a:t>입력 변수를 구성하기 위해 </a:t>
             </a:r>
             <a:r>
               <a:rPr lang="en-US" altLang="ko-KR" sz="4300" dirty="0">
@@ -4759,6 +4699,96 @@
                 </a:solidFill>
                 <a:latin typeface="+mn-ea"/>
               </a:rPr>
+              <a:t>5</a:t>
+            </a:r>
+            <a:r>
+              <a:rPr lang="ko-KR" altLang="en-US" sz="4300" dirty="0">
+                <a:solidFill>
+                  <a:schemeClr val="tx1"/>
+                </a:solidFill>
+                <a:latin typeface="+mn-ea"/>
+              </a:rPr>
+              <a:t>개 도시의 각 </a:t>
+            </a:r>
+            <a:r>
+              <a:rPr lang="en-US" altLang="ko-KR" sz="4300" dirty="0">
+                <a:solidFill>
+                  <a:schemeClr val="tx1"/>
+                </a:solidFill>
+                <a:latin typeface="+mn-ea"/>
+              </a:rPr>
+              <a:t>4</a:t>
+            </a:r>
+            <a:r>
+              <a:rPr lang="ko-KR" altLang="en-US" sz="4300" dirty="0">
+                <a:solidFill>
+                  <a:schemeClr val="tx1"/>
+                </a:solidFill>
+                <a:latin typeface="+mn-ea"/>
+              </a:rPr>
+              <a:t>년씩  </a:t>
+            </a:r>
+            <a:r>
+              <a:rPr lang="en-US" altLang="ko-KR" sz="4300" dirty="0">
+                <a:solidFill>
+                  <a:schemeClr val="tx1"/>
+                </a:solidFill>
+                <a:latin typeface="+mn-ea"/>
+              </a:rPr>
+              <a:t>20</a:t>
+            </a:r>
+            <a:r>
+              <a:rPr lang="ko-KR" altLang="en-US" sz="4300" dirty="0">
+                <a:solidFill>
+                  <a:schemeClr val="tx1"/>
+                </a:solidFill>
+                <a:latin typeface="+mn-ea"/>
+              </a:rPr>
+              <a:t>년 치 데이터와 타겟 지역으로 선정한 대전 하루</a:t>
+            </a:r>
+            <a:r>
+              <a:rPr lang="en-US" altLang="ko-KR" sz="4300" dirty="0">
+                <a:solidFill>
+                  <a:schemeClr val="tx1"/>
+                </a:solidFill>
+                <a:latin typeface="+mn-ea"/>
+              </a:rPr>
+              <a:t>(1</a:t>
+            </a:r>
+            <a:r>
+              <a:rPr lang="ko-KR" altLang="en-US" sz="4300" dirty="0">
+                <a:solidFill>
+                  <a:schemeClr val="tx1"/>
+                </a:solidFill>
+                <a:latin typeface="+mn-ea"/>
+              </a:rPr>
+              <a:t>일</a:t>
+            </a:r>
+            <a:r>
+              <a:rPr lang="en-US" altLang="ko-KR" sz="4300" dirty="0">
+                <a:solidFill>
+                  <a:schemeClr val="tx1"/>
+                </a:solidFill>
+                <a:latin typeface="+mn-ea"/>
+              </a:rPr>
+              <a:t>) </a:t>
+            </a:r>
+            <a:r>
+              <a:rPr lang="ko-KR" altLang="en-US" sz="4300" dirty="0">
+                <a:solidFill>
+                  <a:schemeClr val="tx1"/>
+                </a:solidFill>
+                <a:latin typeface="+mn-ea"/>
+              </a:rPr>
+              <a:t>데이터를 학습 데이터 셋으로 구성했다</a:t>
+            </a:r>
+            <a:r>
+              <a:rPr lang="en-US" altLang="ko-KR" sz="4300" dirty="0">
+                <a:solidFill>
+                  <a:schemeClr val="tx1"/>
+                </a:solidFill>
+                <a:latin typeface="+mn-ea"/>
+              </a:rPr>
               <a:t>. </a:t>
             </a:r>
             <a:r>
@@ -4768,7 +4798,7 @@
                 </a:solidFill>
                 <a:latin typeface="+mn-ea"/>
               </a:rPr>
-              <a:t>입력 변수를 구성하기 위해 </a:t>
+              <a:t>모델 검증을 위해 대전의 </a:t>
             </a:r>
             <a:r>
               <a:rPr lang="en-US" altLang="ko-KR" sz="4300" dirty="0">
@@ -4777,7 +4807,7 @@
                 </a:solidFill>
                 <a:latin typeface="+mn-ea"/>
               </a:rPr>
-              <a:t>5</a:t>
+              <a:t>2020</a:t>
             </a:r>
             <a:r>
               <a:rPr lang="ko-KR" altLang="en-US" sz="4300" dirty="0">
@@ -4786,16 +4816,16 @@
                 </a:solidFill>
                 <a:latin typeface="+mn-ea"/>
               </a:rPr>
-              <a:t>개 </a:t>
-            </a:r>
-            <a:r>
-              <a:rPr lang="ko-KR" altLang="en-US" sz="4300" dirty="0" smtClean="0">
-                <a:solidFill>
-                  <a:schemeClr val="tx1"/>
-                </a:solidFill>
-                <a:latin typeface="+mn-ea"/>
-              </a:rPr>
-              <a:t>도시의 </a:t>
+              <a:t>년 마지막 날을 제외한 </a:t>
+            </a:r>
+            <a:r>
+              <a:rPr lang="en-US" altLang="ko-KR" sz="4300" dirty="0">
+                <a:solidFill>
+                  <a:schemeClr val="tx1"/>
+                </a:solidFill>
+                <a:latin typeface="+mn-ea"/>
+              </a:rPr>
+              <a:t>364</a:t>
             </a:r>
             <a:r>
               <a:rPr lang="ko-KR" altLang="en-US" sz="4300" dirty="0">
@@ -4804,7 +4834,7 @@
                 </a:solidFill>
                 <a:latin typeface="+mn-ea"/>
               </a:rPr>
-              <a:t>각 </a:t>
+              <a:t>일을 테스트 데이터 셋으로 구성했으며</a:t>
             </a:r>
             <a:r>
               <a:rPr lang="en-US" altLang="ko-KR" sz="4300" dirty="0">
@@ -4813,7 +4843,7 @@
                 </a:solidFill>
                 <a:latin typeface="+mn-ea"/>
               </a:rPr>
-              <a:t>4</a:t>
+              <a:t>, d</a:t>
             </a:r>
             <a:r>
               <a:rPr lang="ko-KR" altLang="en-US" sz="4300" dirty="0">
@@ -4822,7 +4852,7 @@
                 </a:solidFill>
                 <a:latin typeface="+mn-ea"/>
               </a:rPr>
-              <a:t>년씩  </a:t>
+              <a:t>시점</a:t>
             </a:r>
             <a:r>
               <a:rPr lang="en-US" altLang="ko-KR" sz="4300" dirty="0">
@@ -4831,7 +4861,7 @@
                 </a:solidFill>
                 <a:latin typeface="+mn-ea"/>
               </a:rPr>
-              <a:t>20</a:t>
+              <a:t>(</a:t>
             </a:r>
             <a:r>
               <a:rPr lang="ko-KR" altLang="en-US" sz="4300" dirty="0">
@@ -4840,16 +4870,16 @@
                 </a:solidFill>
                 <a:latin typeface="+mn-ea"/>
               </a:rPr>
-              <a:t>년 치 데이터와 </a:t>
-            </a:r>
-            <a:r>
-              <a:rPr lang="ko-KR" altLang="en-US" sz="4300" dirty="0" smtClean="0">
-                <a:solidFill>
-                  <a:schemeClr val="tx1"/>
-                </a:solidFill>
-                <a:latin typeface="+mn-ea"/>
-              </a:rPr>
-              <a:t>타겟 지역으로 선정한 대전 </a:t>
+              <a:t>오늘</a:t>
+            </a:r>
+            <a:r>
+              <a:rPr lang="en-US" altLang="ko-KR" sz="4300" dirty="0">
+                <a:solidFill>
+                  <a:schemeClr val="tx1"/>
+                </a:solidFill>
+                <a:latin typeface="+mn-ea"/>
+              </a:rPr>
+              <a:t>)</a:t>
             </a:r>
             <a:r>
               <a:rPr lang="ko-KR" altLang="en-US" sz="4300" dirty="0">
@@ -4858,163 +4888,10 @@
                 </a:solidFill>
                 <a:latin typeface="+mn-ea"/>
               </a:rPr>
-              <a:t>하루</a:t>
+              <a:t>로 </a:t>
             </a:r>
             <a:r>
               <a:rPr lang="en-US" altLang="ko-KR" sz="4300" dirty="0">
-                <a:solidFill>
-                  <a:schemeClr val="tx1"/>
-                </a:solidFill>
-                <a:latin typeface="+mn-ea"/>
-              </a:rPr>
-              <a:t>(1</a:t>
-            </a:r>
-            <a:r>
-              <a:rPr lang="ko-KR" altLang="en-US" sz="4300" dirty="0">
-                <a:solidFill>
-                  <a:schemeClr val="tx1"/>
-                </a:solidFill>
-                <a:latin typeface="+mn-ea"/>
-              </a:rPr>
-              <a:t>일</a:t>
-            </a:r>
-            <a:r>
-              <a:rPr lang="en-US" altLang="ko-KR" sz="4300" dirty="0">
-                <a:solidFill>
-                  <a:schemeClr val="tx1"/>
-                </a:solidFill>
-                <a:latin typeface="+mn-ea"/>
-              </a:rPr>
-              <a:t>) </a:t>
-            </a:r>
-            <a:r>
-              <a:rPr lang="ko-KR" altLang="en-US" sz="4300" dirty="0">
-                <a:solidFill>
-                  <a:schemeClr val="tx1"/>
-                </a:solidFill>
-                <a:latin typeface="+mn-ea"/>
-              </a:rPr>
-              <a:t>데이터를 학습 데이터 셋으로 구성했다</a:t>
-            </a:r>
-            <a:r>
-              <a:rPr lang="en-US" altLang="ko-KR" sz="4300" dirty="0" smtClean="0">
-                <a:solidFill>
-                  <a:schemeClr val="tx1"/>
-                </a:solidFill>
-                <a:latin typeface="+mn-ea"/>
-              </a:rPr>
-              <a:t>. </a:t>
-            </a:r>
-            <a:r>
-              <a:rPr lang="ko-KR" altLang="en-US" sz="4300" dirty="0" smtClean="0">
-                <a:solidFill>
-                  <a:schemeClr val="tx1"/>
-                </a:solidFill>
-                <a:latin typeface="+mn-ea"/>
-              </a:rPr>
-              <a:t>모델 검증을 위해 대전의 </a:t>
-            </a:r>
-            <a:r>
-              <a:rPr lang="en-US" altLang="ko-KR" sz="4300" dirty="0">
-                <a:solidFill>
-                  <a:schemeClr val="tx1"/>
-                </a:solidFill>
-                <a:latin typeface="+mn-ea"/>
-              </a:rPr>
-              <a:t>2020</a:t>
-            </a:r>
-            <a:r>
-              <a:rPr lang="ko-KR" altLang="en-US" sz="4300" dirty="0">
-                <a:solidFill>
-                  <a:schemeClr val="tx1"/>
-                </a:solidFill>
-                <a:latin typeface="+mn-ea"/>
-              </a:rPr>
-              <a:t>년 마지막 날을 제외한 </a:t>
-            </a:r>
-            <a:r>
-              <a:rPr lang="en-US" altLang="ko-KR" sz="4300" dirty="0">
-                <a:solidFill>
-                  <a:schemeClr val="tx1"/>
-                </a:solidFill>
-                <a:latin typeface="+mn-ea"/>
-              </a:rPr>
-              <a:t>364</a:t>
-            </a:r>
-            <a:r>
-              <a:rPr lang="ko-KR" altLang="en-US" sz="4300" dirty="0">
-                <a:solidFill>
-                  <a:schemeClr val="tx1"/>
-                </a:solidFill>
-                <a:latin typeface="+mn-ea"/>
-              </a:rPr>
-              <a:t>일을 테스트 데이터 셋으로 구성했으며</a:t>
-            </a:r>
-            <a:r>
-              <a:rPr lang="en-US" altLang="ko-KR" sz="4300" dirty="0">
-                <a:solidFill>
-                  <a:schemeClr val="tx1"/>
-                </a:solidFill>
-                <a:latin typeface="+mn-ea"/>
-              </a:rPr>
-              <a:t>, </a:t>
-            </a:r>
-            <a:r>
-              <a:rPr lang="en-US" altLang="ko-KR" sz="4300" dirty="0" smtClean="0">
-                <a:solidFill>
-                  <a:schemeClr val="tx1"/>
-                </a:solidFill>
-                <a:latin typeface="+mn-ea"/>
-              </a:rPr>
-              <a:t>d</a:t>
-            </a:r>
-            <a:r>
-              <a:rPr lang="ko-KR" altLang="en-US" sz="4300" dirty="0">
-                <a:solidFill>
-                  <a:schemeClr val="tx1"/>
-                </a:solidFill>
-                <a:latin typeface="+mn-ea"/>
-              </a:rPr>
-              <a:t>시점</a:t>
-            </a:r>
-            <a:r>
-              <a:rPr lang="en-US" altLang="ko-KR" sz="4300" dirty="0">
-                <a:solidFill>
-                  <a:schemeClr val="tx1"/>
-                </a:solidFill>
-                <a:latin typeface="+mn-ea"/>
-              </a:rPr>
-              <a:t>(</a:t>
-            </a:r>
-            <a:r>
-              <a:rPr lang="ko-KR" altLang="en-US" sz="4300" dirty="0">
-                <a:solidFill>
-                  <a:schemeClr val="tx1"/>
-                </a:solidFill>
-                <a:latin typeface="+mn-ea"/>
-              </a:rPr>
-              <a:t>오늘</a:t>
-            </a:r>
-            <a:r>
-              <a:rPr lang="en-US" altLang="ko-KR" sz="4300" dirty="0">
-                <a:solidFill>
-                  <a:schemeClr val="tx1"/>
-                </a:solidFill>
-                <a:latin typeface="+mn-ea"/>
-              </a:rPr>
-              <a:t>)</a:t>
-            </a:r>
-            <a:r>
-              <a:rPr lang="ko-KR" altLang="en-US" sz="4300" dirty="0" smtClean="0">
-                <a:solidFill>
-                  <a:schemeClr val="tx1"/>
-                </a:solidFill>
-                <a:latin typeface="+mn-ea"/>
-              </a:rPr>
-              <a:t>로 </a:t>
-            </a:r>
-            <a:r>
-              <a:rPr lang="en-US" altLang="ko-KR" sz="4300" dirty="0" smtClean="0">
                 <a:solidFill>
                   <a:schemeClr val="tx1"/>
                 </a:solidFill>
@@ -5095,7 +4972,7 @@
         </p:blipFill>
         <p:spPr>
           <a:xfrm>
-            <a:off x="737313" y="21021523"/>
+            <a:off x="646922" y="21034815"/>
             <a:ext cx="4842110" cy="3292219"/>
           </a:xfrm>
           <a:prstGeom prst="rect">
@@ -5117,8 +4994,8 @@
         </p:nvSpPr>
         <p:spPr>
           <a:xfrm>
-            <a:off x="292985" y="24457581"/>
-            <a:ext cx="10358194" cy="5476648"/>
+            <a:off x="189825" y="24431696"/>
+            <a:ext cx="10497049" cy="6047809"/>
           </a:xfrm>
           <a:prstGeom prst="rect">
             <a:avLst/>
@@ -5133,22 +5010,103 @@
           <a:p>
             <a:pPr algn="just"/>
             <a:r>
-              <a:rPr lang="ko-KR" altLang="en-US" sz="4300" dirty="0" smtClean="0">
-                <a:solidFill>
-                  <a:schemeClr val="tx1"/>
-                </a:solidFill>
-                <a:latin typeface="+mn-ea"/>
-              </a:rPr>
-              <a:t>  실험에 </a:t>
-            </a:r>
-            <a:r>
               <a:rPr lang="ko-KR" altLang="en-US" sz="4300" dirty="0">
                 <a:solidFill>
                   <a:schemeClr val="tx1"/>
                 </a:solidFill>
                 <a:latin typeface="+mn-ea"/>
               </a:rPr>
-              <a:t>사용한 데이터는 </a:t>
+              <a:t>  일사량 정보를 예측해 태양광 발전 시스템의 효율적인 운영을 돕기 위해</a:t>
+            </a:r>
+            <a:r>
+              <a:rPr lang="en-US" altLang="ko-KR" sz="4300" dirty="0">
+                <a:solidFill>
+                  <a:schemeClr val="tx1"/>
+                </a:solidFill>
+                <a:latin typeface="+mn-ea"/>
+              </a:rPr>
+              <a:t> </a:t>
+            </a:r>
+            <a:r>
+              <a:rPr lang="ko-KR" altLang="en-US" sz="4300" dirty="0">
+                <a:solidFill>
+                  <a:schemeClr val="tx1"/>
+                </a:solidFill>
+                <a:latin typeface="+mn-ea"/>
+              </a:rPr>
+              <a:t>대전시를 제외한 지역의 데이터 셋과 대전시 하루치 기상 정보를 통합하여 학습하고</a:t>
+            </a:r>
+            <a:r>
+              <a:rPr lang="en-US" altLang="ko-KR" sz="4300" dirty="0">
+                <a:solidFill>
+                  <a:schemeClr val="tx1"/>
+                </a:solidFill>
+                <a:latin typeface="+mn-ea"/>
+              </a:rPr>
+              <a:t>, </a:t>
+            </a:r>
+            <a:r>
+              <a:rPr lang="ko-KR" altLang="en-US" sz="4300" dirty="0">
+                <a:solidFill>
+                  <a:schemeClr val="tx1"/>
+                </a:solidFill>
+                <a:latin typeface="+mn-ea"/>
+              </a:rPr>
+              <a:t>다음날 하루치 일사량 정보를 예측하도록 구성했다</a:t>
+            </a:r>
+            <a:r>
+              <a:rPr lang="en-US" altLang="ko-KR" sz="4300" dirty="0">
+                <a:solidFill>
+                  <a:schemeClr val="tx1"/>
+                </a:solidFill>
+                <a:latin typeface="+mn-ea"/>
+              </a:rPr>
+              <a:t>. </a:t>
+            </a:r>
+            <a:r>
+              <a:rPr lang="ko-KR" altLang="en-US" sz="4300" dirty="0">
+                <a:solidFill>
+                  <a:schemeClr val="tx1"/>
+                </a:solidFill>
+                <a:latin typeface="+mn-ea"/>
+              </a:rPr>
+              <a:t>또한 제안 방법을</a:t>
+            </a:r>
+            <a:r>
+              <a:rPr lang="en-US" altLang="ko-KR" sz="4300" dirty="0">
+                <a:solidFill>
+                  <a:schemeClr val="tx1"/>
+                </a:solidFill>
+                <a:latin typeface="+mn-ea"/>
+              </a:rPr>
+              <a:t> </a:t>
+            </a:r>
+            <a:r>
+              <a:rPr lang="ko-KR" altLang="en-US" sz="4300" dirty="0">
+                <a:solidFill>
+                  <a:schemeClr val="tx1"/>
+                </a:solidFill>
+                <a:latin typeface="+mn-ea"/>
+              </a:rPr>
+              <a:t>슬라이딩 윈도우 방식으로 검증했으며</a:t>
+            </a:r>
+            <a:r>
+              <a:rPr lang="en-US" altLang="ko-KR" sz="4300" dirty="0">
+                <a:solidFill>
+                  <a:schemeClr val="tx1"/>
+                </a:solidFill>
+                <a:latin typeface="+mn-ea"/>
+              </a:rPr>
+              <a:t>, </a:t>
+            </a:r>
+            <a:r>
+              <a:rPr lang="ko-KR" altLang="en-US" sz="4300" dirty="0">
+                <a:solidFill>
+                  <a:schemeClr val="tx1"/>
+                </a:solidFill>
+                <a:latin typeface="+mn-ea"/>
+              </a:rPr>
+              <a:t>기존 랜덤 </a:t>
             </a:r>
             <a:r>
               <a:rPr lang="ko-KR" altLang="en-US" sz="4300" dirty="0" err="1">
@@ -5157,7 +5115,7 @@
                 </a:solidFill>
                 <a:latin typeface="+mn-ea"/>
               </a:rPr>
-              <a:t>계절변동을</a:t>
+              <a:t>포레스트와</a:t>
             </a:r>
             <a:r>
               <a:rPr lang="ko-KR" altLang="en-US" sz="4300" dirty="0">
@@ -5166,16 +5124,28 @@
                 </a:solidFill>
                 <a:latin typeface="+mn-ea"/>
               </a:rPr>
-              <a:t> 보이는 </a:t>
-            </a:r>
-            <a:r>
-              <a:rPr lang="ko-KR" altLang="en-US" sz="4300" dirty="0" err="1">
-                <a:solidFill>
-                  <a:schemeClr val="tx1"/>
-                </a:solidFill>
-                <a:latin typeface="+mn-ea"/>
-              </a:rPr>
-              <a:t>시계열</a:t>
+              <a:t> 유사하지만 속도를 </a:t>
+            </a:r>
+            <a:r>
+              <a:rPr lang="en-US" altLang="ko-KR" sz="4300" dirty="0">
+                <a:solidFill>
+                  <a:schemeClr val="tx1"/>
+                </a:solidFill>
+                <a:latin typeface="+mn-ea"/>
+              </a:rPr>
+              <a:t> </a:t>
+            </a:r>
+          </a:p>
+          <a:p>
+            <a:pPr algn="just"/>
+            <a:r>
+              <a:rPr lang="en-US" altLang="ko-KR" sz="4300" dirty="0">
+                <a:solidFill>
+                  <a:schemeClr val="tx1"/>
+                </a:solidFill>
+                <a:latin typeface="+mn-ea"/>
+              </a:rPr>
+              <a:t>     </a:t>
             </a:r>
             <a:r>
               <a:rPr lang="ko-KR" altLang="en-US" sz="4300" dirty="0">
@@ -5184,34 +5154,16 @@
                 </a:solidFill>
                 <a:latin typeface="+mn-ea"/>
               </a:rPr>
-              <a:t> </a:t>
-            </a:r>
-            <a:r>
-              <a:rPr lang="ko-KR" altLang="en-US" sz="4300" dirty="0" smtClean="0">
-                <a:solidFill>
-                  <a:schemeClr val="tx1"/>
-                </a:solidFill>
-                <a:latin typeface="+mn-ea"/>
-              </a:rPr>
-              <a:t>데이터이며</a:t>
-            </a:r>
-            <a:r>
-              <a:rPr lang="en-US" altLang="ko-KR" sz="4300" dirty="0" smtClean="0">
-                <a:solidFill>
-                  <a:schemeClr val="tx1"/>
-                </a:solidFill>
-                <a:latin typeface="+mn-ea"/>
-              </a:rPr>
-              <a:t>, </a:t>
-            </a:r>
-            <a:r>
-              <a:rPr lang="ko-KR" altLang="en-US" sz="4300" dirty="0" smtClean="0">
-                <a:solidFill>
-                  <a:schemeClr val="tx1"/>
-                </a:solidFill>
-                <a:latin typeface="+mn-ea"/>
-              </a:rPr>
-              <a:t>주기적인 </a:t>
+              <a:t>개선한 </a:t>
+            </a:r>
+            <a:r>
+              <a:rPr lang="en-US" altLang="ko-KR" sz="4300" dirty="0">
+                <a:solidFill>
+                  <a:schemeClr val="tx1"/>
+                </a:solidFill>
+                <a:latin typeface="+mn-ea"/>
+              </a:rPr>
+              <a:t>Ranger </a:t>
             </a:r>
             <a:r>
               <a:rPr lang="ko-KR" altLang="en-US" sz="4300" dirty="0">
@@ -5220,19 +5172,10 @@
                 </a:solidFill>
                 <a:latin typeface="+mn-ea"/>
               </a:rPr>
-              <a:t>패턴을 갖는 것을 고려하여 슬라이딩 윈도우 방식으로 </a:t>
-            </a:r>
-            <a:r>
-              <a:rPr lang="ko-KR" altLang="en-US" sz="4300" dirty="0" smtClean="0">
-                <a:solidFill>
-                  <a:schemeClr val="tx1"/>
-                </a:solidFill>
-                <a:latin typeface="+mn-ea"/>
-              </a:rPr>
-              <a:t>검정했다</a:t>
-            </a:r>
-            <a:r>
-              <a:rPr lang="en-US" altLang="ko-KR" sz="4300" dirty="0" smtClean="0">
+              <a:t>패키지를 사용했다</a:t>
+            </a:r>
+            <a:r>
+              <a:rPr lang="en-US" altLang="ko-KR" sz="4300" dirty="0">
                 <a:solidFill>
                   <a:schemeClr val="tx1"/>
                 </a:solidFill>
@@ -5240,129 +5183,9 @@
               </a:rPr>
               <a:t>. </a:t>
             </a:r>
-            <a:r>
-              <a:rPr lang="ko-KR" altLang="en-US" sz="4300" dirty="0" smtClean="0">
-                <a:solidFill>
-                  <a:schemeClr val="tx1"/>
-                </a:solidFill>
-                <a:latin typeface="+mn-ea"/>
-              </a:rPr>
-              <a:t>또한 </a:t>
-            </a:r>
-            <a:r>
-              <a:rPr lang="ko-KR" altLang="en-US" sz="4300" dirty="0">
-                <a:solidFill>
-                  <a:schemeClr val="tx1"/>
-                </a:solidFill>
-                <a:latin typeface="+mn-ea"/>
-              </a:rPr>
-              <a:t>본 연구에서 사용된 </a:t>
-            </a:r>
-            <a:r>
-              <a:rPr lang="ko-KR" altLang="en-US" sz="4300" dirty="0" smtClean="0">
-                <a:solidFill>
-                  <a:schemeClr val="tx1"/>
-                </a:solidFill>
-                <a:latin typeface="+mn-ea"/>
-              </a:rPr>
-              <a:t>예측 </a:t>
-            </a:r>
-            <a:r>
-              <a:rPr lang="ko-KR" altLang="en-US" sz="4300" dirty="0">
-                <a:solidFill>
-                  <a:schemeClr val="tx1"/>
-                </a:solidFill>
-                <a:latin typeface="+mn-ea"/>
-              </a:rPr>
-              <a:t>모델은 기존 랜덤 </a:t>
-            </a:r>
-            <a:r>
-              <a:rPr lang="ko-KR" altLang="en-US" sz="4300" dirty="0" err="1">
-                <a:solidFill>
-                  <a:schemeClr val="tx1"/>
-                </a:solidFill>
-                <a:latin typeface="+mn-ea"/>
-              </a:rPr>
-              <a:t>포레스트와</a:t>
-            </a:r>
-            <a:r>
-              <a:rPr lang="ko-KR" altLang="en-US" sz="4300" dirty="0">
-                <a:solidFill>
-                  <a:schemeClr val="tx1"/>
-                </a:solidFill>
-                <a:latin typeface="+mn-ea"/>
-              </a:rPr>
-              <a:t> 유사하지만 재귀 분할의 성능을 개선하고 고차원 데이터에 적합한 </a:t>
-            </a:r>
-            <a:r>
-              <a:rPr lang="en-US" altLang="ko-KR" sz="4300" dirty="0">
-                <a:solidFill>
-                  <a:schemeClr val="tx1"/>
-                </a:solidFill>
-                <a:latin typeface="+mn-ea"/>
-              </a:rPr>
-              <a:t>Ranger </a:t>
-            </a:r>
-            <a:r>
-              <a:rPr lang="ko-KR" altLang="en-US" sz="4300" dirty="0" smtClean="0">
-                <a:solidFill>
-                  <a:schemeClr val="tx1"/>
-                </a:solidFill>
-                <a:latin typeface="+mn-ea"/>
-              </a:rPr>
-              <a:t>패키지의 모델을 </a:t>
-            </a:r>
-            <a:r>
-              <a:rPr lang="ko-KR" altLang="en-US" sz="4300" dirty="0">
-                <a:solidFill>
-                  <a:schemeClr val="tx1"/>
-                </a:solidFill>
-                <a:latin typeface="+mn-ea"/>
-              </a:rPr>
-              <a:t>사용했다</a:t>
-            </a:r>
-            <a:r>
-              <a:rPr lang="en-US" altLang="ko-KR" sz="4300" dirty="0">
-                <a:solidFill>
-                  <a:schemeClr val="tx1"/>
-                </a:solidFill>
-                <a:latin typeface="+mn-ea"/>
-              </a:rPr>
-              <a:t>. </a:t>
-            </a:r>
-            <a:endParaRPr lang="en-US" altLang="ko-KR" sz="4300" dirty="0">
-              <a:solidFill>
-                <a:schemeClr val="tx1"/>
-              </a:solidFill>
-              <a:latin typeface="+mn-ea"/>
-            </a:endParaRPr>
-          </a:p>
-        </p:txBody>
-      </p:sp>
-      <p:pic>
-        <p:nvPicPr>
-          <p:cNvPr id="47" name="그림 46"/>
-          <p:cNvPicPr>
-            <a:picLocks noChangeAspect="1"/>
-          </p:cNvPicPr>
-          <p:nvPr/>
-        </p:nvPicPr>
-        <p:blipFill>
-          <a:blip r:embed="rId11"/>
-          <a:stretch>
-            <a:fillRect/>
-          </a:stretch>
-        </p:blipFill>
-        <p:spPr>
-          <a:xfrm>
-            <a:off x="5666597" y="21151148"/>
-            <a:ext cx="4724002" cy="3181193"/>
-          </a:xfrm>
-          <a:prstGeom prst="rect">
-            <a:avLst/>
-          </a:prstGeom>
-        </p:spPr>
-      </p:pic>
+          </a:p>
+        </p:txBody>
+      </p:sp>
       <p:pic>
         <p:nvPicPr>
           <p:cNvPr id="49" name="그림 48"/>
@@ -5379,7 +5202,7 @@
         </p:blipFill>
         <p:spPr>
           <a:xfrm>
-            <a:off x="5558997" y="21033795"/>
+            <a:off x="5468606" y="21047087"/>
             <a:ext cx="4831602" cy="3253652"/>
           </a:xfrm>
           <a:prstGeom prst="rect">
@@ -5401,8 +5224,8 @@
         </p:nvSpPr>
         <p:spPr>
           <a:xfrm>
-            <a:off x="11002295" y="26340719"/>
-            <a:ext cx="10358194" cy="2077492"/>
+            <a:off x="11091460" y="26335932"/>
+            <a:ext cx="10358194" cy="4724370"/>
           </a:xfrm>
           <a:prstGeom prst="rect">
             <a:avLst/>
@@ -5417,22 +5240,13 @@
           <a:p>
             <a:pPr algn="just"/>
             <a:r>
-              <a:rPr lang="ko-KR" altLang="en-US" sz="4300" dirty="0" smtClean="0">
-                <a:solidFill>
-                  <a:schemeClr val="tx1"/>
-                </a:solidFill>
-                <a:latin typeface="+mn-ea"/>
-              </a:rPr>
-              <a:t>  위 </a:t>
-            </a:r>
-            <a:r>
               <a:rPr lang="ko-KR" altLang="en-US" sz="4300" dirty="0">
                 <a:solidFill>
                   <a:schemeClr val="tx1"/>
                 </a:solidFill>
                 <a:latin typeface="+mn-ea"/>
               </a:rPr>
-              <a:t>테이블은 하루치 데이터만 학습한 모델을 비교한 결과이다</a:t>
+              <a:t>  위 테이블은 하루치 데이터만 학습한 모델을 비교한 결과이다</a:t>
             </a:r>
             <a:r>
               <a:rPr lang="en-US" altLang="ko-KR" sz="4300" dirty="0">
@@ -5443,9 +5257,90 @@
               </a:rPr>
               <a:t>. </a:t>
             </a:r>
+            <a:r>
+              <a:rPr lang="ko-KR" altLang="en-US" sz="4300" dirty="0">
+                <a:solidFill>
+                  <a:schemeClr val="tx1"/>
+                </a:solidFill>
+                <a:latin typeface="+mn-ea"/>
+              </a:rPr>
+              <a:t>제안 모델과 비교 모델과의 성능을 </a:t>
+            </a:r>
+            <a:r>
+              <a:rPr lang="en-US" altLang="ko-KR" sz="4300" dirty="0">
+                <a:solidFill>
+                  <a:schemeClr val="tx1"/>
+                </a:solidFill>
+                <a:latin typeface="+mn-ea"/>
+              </a:rPr>
+              <a:t>RMSE</a:t>
+            </a:r>
+            <a:r>
+              <a:rPr lang="ko-KR" altLang="en-US" sz="4300" dirty="0">
+                <a:solidFill>
+                  <a:schemeClr val="tx1"/>
+                </a:solidFill>
+                <a:latin typeface="+mn-ea"/>
+              </a:rPr>
+              <a:t>로 평가한 결과 제안 방법의 모델 성능이 우수함을 확인할 수 있었고</a:t>
+            </a:r>
+            <a:r>
+              <a:rPr lang="en-US" altLang="ko-KR" sz="4300" dirty="0">
+                <a:solidFill>
+                  <a:schemeClr val="tx1"/>
+                </a:solidFill>
+                <a:latin typeface="+mn-ea"/>
+              </a:rPr>
+              <a:t>, </a:t>
+            </a:r>
+            <a:r>
+              <a:rPr lang="ko-KR" altLang="en-US" sz="4300" dirty="0">
+                <a:solidFill>
+                  <a:schemeClr val="tx1"/>
+                </a:solidFill>
+                <a:latin typeface="+mn-ea"/>
+              </a:rPr>
+              <a:t>제안 방법론의 적용 </a:t>
+            </a:r>
+            <a:endParaRPr lang="en-US" altLang="ko-KR" sz="4300" dirty="0">
+              <a:solidFill>
+                <a:schemeClr val="tx1"/>
+              </a:solidFill>
+              <a:latin typeface="+mn-ea"/>
+            </a:endParaRPr>
           </a:p>
           <a:p>
             <a:pPr algn="just"/>
+            <a:r>
+              <a:rPr lang="en-US" altLang="ko-KR" sz="4300" dirty="0">
+                <a:solidFill>
+                  <a:schemeClr val="tx1"/>
+                </a:solidFill>
+                <a:latin typeface="+mn-ea"/>
+              </a:rPr>
+              <a:t>     </a:t>
+            </a:r>
+            <a:r>
+              <a:rPr lang="ko-KR" altLang="en-US" sz="4300" dirty="0">
+                <a:solidFill>
+                  <a:schemeClr val="tx1"/>
+                </a:solidFill>
+                <a:latin typeface="+mn-ea"/>
+              </a:rPr>
+              <a:t> 가능성 또한 확인할 수 있었다</a:t>
+            </a:r>
+            <a:r>
+              <a:rPr lang="en-US" altLang="ko-KR" sz="4300" dirty="0">
+                <a:solidFill>
+                  <a:schemeClr val="tx1"/>
+                </a:solidFill>
+                <a:latin typeface="+mn-ea"/>
+              </a:rPr>
+              <a:t>. </a:t>
+            </a:r>
+          </a:p>
+          <a:p>
+            <a:pPr algn="ctr"/>
             <a:endParaRPr lang="en-US" altLang="ko-KR" sz="4300" dirty="0">
               <a:solidFill>
                 <a:schemeClr val="tx1"/>
